--- a/images/Sponsors.pptx
+++ b/images/Sponsors.pptx
@@ -2,18 +2,18 @@
 <file path=ppt/presentation.xml><?xml version="1.0" encoding="utf-8"?>
 <p:presentation xmlns:a="http://schemas.openxmlformats.org/drawingml/2006/main" xmlns:r="http://schemas.openxmlformats.org/officeDocument/2006/relationships" xmlns:p="http://schemas.openxmlformats.org/presentationml/2006/main" saveSubsetFonts="1" autoCompressPictures="0">
   <p:sldMasterIdLst>
-    <p:sldMasterId id="2147483648" r:id="rId1"/>
+    <p:sldMasterId id="2147483672" r:id="rId1"/>
   </p:sldMasterIdLst>
   <p:sldIdLst>
     <p:sldId id="256" r:id="rId2"/>
   </p:sldIdLst>
-  <p:sldSz cx="12192000" cy="6858000"/>
+  <p:sldSz cx="27432000" cy="2743200"/>
   <p:notesSz cx="6858000" cy="9144000"/>
   <p:defaultTextStyle>
     <a:defPPr>
       <a:defRPr lang="en-US"/>
     </a:defPPr>
-    <a:lvl1pPr marL="0" algn="l" defTabSz="914400" rtl="0" eaLnBrk="1" latinLnBrk="0" hangingPunct="1">
+    <a:lvl1pPr marL="0" algn="l" defTabSz="457200" rtl="0" eaLnBrk="1" latinLnBrk="0" hangingPunct="1">
       <a:defRPr sz="1800" kern="1200">
         <a:solidFill>
           <a:schemeClr val="tx1"/>
@@ -23,7 +23,7 @@
         <a:cs typeface="+mn-cs"/>
       </a:defRPr>
     </a:lvl1pPr>
-    <a:lvl2pPr marL="457200" algn="l" defTabSz="914400" rtl="0" eaLnBrk="1" latinLnBrk="0" hangingPunct="1">
+    <a:lvl2pPr marL="457200" algn="l" defTabSz="457200" rtl="0" eaLnBrk="1" latinLnBrk="0" hangingPunct="1">
       <a:defRPr sz="1800" kern="1200">
         <a:solidFill>
           <a:schemeClr val="tx1"/>
@@ -33,7 +33,7 @@
         <a:cs typeface="+mn-cs"/>
       </a:defRPr>
     </a:lvl2pPr>
-    <a:lvl3pPr marL="914400" algn="l" defTabSz="914400" rtl="0" eaLnBrk="1" latinLnBrk="0" hangingPunct="1">
+    <a:lvl3pPr marL="914400" algn="l" defTabSz="457200" rtl="0" eaLnBrk="1" latinLnBrk="0" hangingPunct="1">
       <a:defRPr sz="1800" kern="1200">
         <a:solidFill>
           <a:schemeClr val="tx1"/>
@@ -43,7 +43,7 @@
         <a:cs typeface="+mn-cs"/>
       </a:defRPr>
     </a:lvl3pPr>
-    <a:lvl4pPr marL="1371600" algn="l" defTabSz="914400" rtl="0" eaLnBrk="1" latinLnBrk="0" hangingPunct="1">
+    <a:lvl4pPr marL="1371600" algn="l" defTabSz="457200" rtl="0" eaLnBrk="1" latinLnBrk="0" hangingPunct="1">
       <a:defRPr sz="1800" kern="1200">
         <a:solidFill>
           <a:schemeClr val="tx1"/>
@@ -53,7 +53,7 @@
         <a:cs typeface="+mn-cs"/>
       </a:defRPr>
     </a:lvl4pPr>
-    <a:lvl5pPr marL="1828800" algn="l" defTabSz="914400" rtl="0" eaLnBrk="1" latinLnBrk="0" hangingPunct="1">
+    <a:lvl5pPr marL="1828800" algn="l" defTabSz="457200" rtl="0" eaLnBrk="1" latinLnBrk="0" hangingPunct="1">
       <a:defRPr sz="1800" kern="1200">
         <a:solidFill>
           <a:schemeClr val="tx1"/>
@@ -63,7 +63,7 @@
         <a:cs typeface="+mn-cs"/>
       </a:defRPr>
     </a:lvl5pPr>
-    <a:lvl6pPr marL="2286000" algn="l" defTabSz="914400" rtl="0" eaLnBrk="1" latinLnBrk="0" hangingPunct="1">
+    <a:lvl6pPr marL="2286000" algn="l" defTabSz="457200" rtl="0" eaLnBrk="1" latinLnBrk="0" hangingPunct="1">
       <a:defRPr sz="1800" kern="1200">
         <a:solidFill>
           <a:schemeClr val="tx1"/>
@@ -73,7 +73,7 @@
         <a:cs typeface="+mn-cs"/>
       </a:defRPr>
     </a:lvl6pPr>
-    <a:lvl7pPr marL="2743200" algn="l" defTabSz="914400" rtl="0" eaLnBrk="1" latinLnBrk="0" hangingPunct="1">
+    <a:lvl7pPr marL="2743200" algn="l" defTabSz="457200" rtl="0" eaLnBrk="1" latinLnBrk="0" hangingPunct="1">
       <a:defRPr sz="1800" kern="1200">
         <a:solidFill>
           <a:schemeClr val="tx1"/>
@@ -83,7 +83,7 @@
         <a:cs typeface="+mn-cs"/>
       </a:defRPr>
     </a:lvl7pPr>
-    <a:lvl8pPr marL="3200400" algn="l" defTabSz="914400" rtl="0" eaLnBrk="1" latinLnBrk="0" hangingPunct="1">
+    <a:lvl8pPr marL="3200400" algn="l" defTabSz="457200" rtl="0" eaLnBrk="1" latinLnBrk="0" hangingPunct="1">
       <a:defRPr sz="1800" kern="1200">
         <a:solidFill>
           <a:schemeClr val="tx1"/>
@@ -93,7 +93,7 @@
         <a:cs typeface="+mn-cs"/>
       </a:defRPr>
     </a:lvl8pPr>
-    <a:lvl9pPr marL="3657600" algn="l" defTabSz="914400" rtl="0" eaLnBrk="1" latinLnBrk="0" hangingPunct="1">
+    <a:lvl9pPr marL="3657600" algn="l" defTabSz="457200" rtl="0" eaLnBrk="1" latinLnBrk="0" hangingPunct="1">
       <a:defRPr sz="1800" kern="1200">
         <a:solidFill>
           <a:schemeClr val="tx1"/>
@@ -104,6 +104,11 @@
       </a:defRPr>
     </a:lvl9pPr>
   </p:defaultTextStyle>
+  <p:extLst>
+    <p:ext uri="{EFAFB233-063F-42B5-8137-9DF3F51BA10A}">
+      <p15:sldGuideLst xmlns:p15="http://schemas.microsoft.com/office/powerpoint/2012/main"/>
+    </p:ext>
+  </p:extLst>
 </p:presentation>
 </file>
 
@@ -126,13 +131,7 @@
       </p:grpSpPr>
       <p:sp>
         <p:nvSpPr>
-          <p:cNvPr id="2" name="Title 1">
-            <a:extLst>
-              <a:ext uri="{FF2B5EF4-FFF2-40B4-BE49-F238E27FC236}">
-                <a16:creationId xmlns:a16="http://schemas.microsoft.com/office/drawing/2014/main" id="{EAACCFEC-7F17-6741-8190-828951E94921}"/>
-              </a:ext>
-            </a:extLst>
-          </p:cNvPr>
+          <p:cNvPr id="2" name="Title 1"/>
           <p:cNvSpPr>
             <a:spLocks noGrp="1"/>
           </p:cNvSpPr>
@@ -142,15 +141,15 @@
         </p:nvSpPr>
         <p:spPr>
           <a:xfrm>
-            <a:off x="1524000" y="1122363"/>
-            <a:ext cx="9144000" cy="2387600"/>
+            <a:off x="3429000" y="448945"/>
+            <a:ext cx="20574000" cy="955040"/>
           </a:xfrm>
         </p:spPr>
         <p:txBody>
           <a:bodyPr anchor="b"/>
           <a:lstStyle>
             <a:lvl1pPr algn="ctr">
-              <a:defRPr sz="6000"/>
+              <a:defRPr sz="2400"/>
             </a:lvl1pPr>
           </a:lstStyle>
           <a:p>
@@ -158,18 +157,13 @@
               <a:rPr lang="en-US"/>
               <a:t>Click to edit Master title style</a:t>
             </a:r>
-          </a:p>
-        </p:txBody>
-      </p:sp>
-      <p:sp>
-        <p:nvSpPr>
-          <p:cNvPr id="3" name="Subtitle 2">
-            <a:extLst>
-              <a:ext uri="{FF2B5EF4-FFF2-40B4-BE49-F238E27FC236}">
-                <a16:creationId xmlns:a16="http://schemas.microsoft.com/office/drawing/2014/main" id="{2F432A76-3D4A-DC47-A315-56B4F10CA8F6}"/>
-              </a:ext>
-            </a:extLst>
-          </p:cNvPr>
+            <a:endParaRPr lang="en-US" dirty="0"/>
+          </a:p>
+        </p:txBody>
+      </p:sp>
+      <p:sp>
+        <p:nvSpPr>
+          <p:cNvPr id="3" name="Subtitle 2"/>
           <p:cNvSpPr>
             <a:spLocks noGrp="1"/>
           </p:cNvSpPr>
@@ -179,8 +173,8 @@
         </p:nvSpPr>
         <p:spPr>
           <a:xfrm>
-            <a:off x="1524000" y="3602038"/>
-            <a:ext cx="9144000" cy="1655762"/>
+            <a:off x="3429000" y="1440815"/>
+            <a:ext cx="20574000" cy="662305"/>
           </a:xfrm>
         </p:spPr>
         <p:txBody>
@@ -188,39 +182,39 @@
           <a:lstStyle>
             <a:lvl1pPr marL="0" indent="0" algn="ctr">
               <a:buNone/>
-              <a:defRPr sz="2400"/>
+              <a:defRPr sz="960"/>
             </a:lvl1pPr>
-            <a:lvl2pPr marL="457200" indent="0" algn="ctr">
-              <a:buNone/>
-              <a:defRPr sz="2000"/>
+            <a:lvl2pPr marL="182880" indent="0" algn="ctr">
+              <a:buNone/>
+              <a:defRPr sz="800"/>
             </a:lvl2pPr>
-            <a:lvl3pPr marL="914400" indent="0" algn="ctr">
-              <a:buNone/>
-              <a:defRPr sz="1800"/>
+            <a:lvl3pPr marL="365760" indent="0" algn="ctr">
+              <a:buNone/>
+              <a:defRPr sz="720"/>
             </a:lvl3pPr>
-            <a:lvl4pPr marL="1371600" indent="0" algn="ctr">
-              <a:buNone/>
-              <a:defRPr sz="1600"/>
+            <a:lvl4pPr marL="548640" indent="0" algn="ctr">
+              <a:buNone/>
+              <a:defRPr sz="640"/>
             </a:lvl4pPr>
-            <a:lvl5pPr marL="1828800" indent="0" algn="ctr">
-              <a:buNone/>
-              <a:defRPr sz="1600"/>
+            <a:lvl5pPr marL="731520" indent="0" algn="ctr">
+              <a:buNone/>
+              <a:defRPr sz="640"/>
             </a:lvl5pPr>
-            <a:lvl6pPr marL="2286000" indent="0" algn="ctr">
-              <a:buNone/>
-              <a:defRPr sz="1600"/>
+            <a:lvl6pPr marL="914400" indent="0" algn="ctr">
+              <a:buNone/>
+              <a:defRPr sz="640"/>
             </a:lvl6pPr>
-            <a:lvl7pPr marL="2743200" indent="0" algn="ctr">
-              <a:buNone/>
-              <a:defRPr sz="1600"/>
+            <a:lvl7pPr marL="1097280" indent="0" algn="ctr">
+              <a:buNone/>
+              <a:defRPr sz="640"/>
             </a:lvl7pPr>
-            <a:lvl8pPr marL="3200400" indent="0" algn="ctr">
-              <a:buNone/>
-              <a:defRPr sz="1600"/>
+            <a:lvl8pPr marL="1280160" indent="0" algn="ctr">
+              <a:buNone/>
+              <a:defRPr sz="640"/>
             </a:lvl8pPr>
-            <a:lvl9pPr marL="3657600" indent="0" algn="ctr">
-              <a:buNone/>
-              <a:defRPr sz="1600"/>
+            <a:lvl9pPr marL="1463040" indent="0" algn="ctr">
+              <a:buNone/>
+              <a:defRPr sz="640"/>
             </a:lvl9pPr>
           </a:lstStyle>
           <a:p>
@@ -228,18 +222,13 @@
               <a:rPr lang="en-US"/>
               <a:t>Click to edit Master subtitle style</a:t>
             </a:r>
-          </a:p>
-        </p:txBody>
-      </p:sp>
-      <p:sp>
-        <p:nvSpPr>
-          <p:cNvPr id="4" name="Date Placeholder 3">
-            <a:extLst>
-              <a:ext uri="{FF2B5EF4-FFF2-40B4-BE49-F238E27FC236}">
-                <a16:creationId xmlns:a16="http://schemas.microsoft.com/office/drawing/2014/main" id="{1AABAA04-5A45-2F43-9649-C5D495092493}"/>
-              </a:ext>
-            </a:extLst>
-          </p:cNvPr>
+            <a:endParaRPr lang="en-US" dirty="0"/>
+          </a:p>
+        </p:txBody>
+      </p:sp>
+      <p:sp>
+        <p:nvSpPr>
+          <p:cNvPr id="4" name="Date Placeholder 3"/>
           <p:cNvSpPr>
             <a:spLocks noGrp="1"/>
           </p:cNvSpPr>
@@ -262,13 +251,7 @@
       </p:sp>
       <p:sp>
         <p:nvSpPr>
-          <p:cNvPr id="5" name="Footer Placeholder 4">
-            <a:extLst>
-              <a:ext uri="{FF2B5EF4-FFF2-40B4-BE49-F238E27FC236}">
-                <a16:creationId xmlns:a16="http://schemas.microsoft.com/office/drawing/2014/main" id="{39FCE701-BA12-8F4E-A25A-12FE7CFB7380}"/>
-              </a:ext>
-            </a:extLst>
-          </p:cNvPr>
+          <p:cNvPr id="5" name="Footer Placeholder 4"/>
           <p:cNvSpPr>
             <a:spLocks noGrp="1"/>
           </p:cNvSpPr>
@@ -287,13 +270,7 @@
       </p:sp>
       <p:sp>
         <p:nvSpPr>
-          <p:cNvPr id="6" name="Slide Number Placeholder 5">
-            <a:extLst>
-              <a:ext uri="{FF2B5EF4-FFF2-40B4-BE49-F238E27FC236}">
-                <a16:creationId xmlns:a16="http://schemas.microsoft.com/office/drawing/2014/main" id="{82793694-EE0D-F042-80F2-53B0B2CC1302}"/>
-              </a:ext>
-            </a:extLst>
-          </p:cNvPr>
+          <p:cNvPr id="6" name="Slide Number Placeholder 5"/>
           <p:cNvSpPr>
             <a:spLocks noGrp="1"/>
           </p:cNvSpPr>
@@ -317,7 +294,7 @@
     </p:spTree>
     <p:extLst>
       <p:ext uri="{BB962C8B-B14F-4D97-AF65-F5344CB8AC3E}">
-        <p14:creationId xmlns:p14="http://schemas.microsoft.com/office/powerpoint/2010/main" val="2558312528"/>
+        <p14:creationId xmlns:p14="http://schemas.microsoft.com/office/powerpoint/2010/main" val="3860828917"/>
       </p:ext>
     </p:extLst>
   </p:cSld>
@@ -346,13 +323,7 @@
       </p:grpSpPr>
       <p:sp>
         <p:nvSpPr>
-          <p:cNvPr id="2" name="Title 1">
-            <a:extLst>
-              <a:ext uri="{FF2B5EF4-FFF2-40B4-BE49-F238E27FC236}">
-                <a16:creationId xmlns:a16="http://schemas.microsoft.com/office/drawing/2014/main" id="{33106425-51CA-4846-B09C-46219840D2A0}"/>
-              </a:ext>
-            </a:extLst>
-          </p:cNvPr>
+          <p:cNvPr id="2" name="Title 1"/>
           <p:cNvSpPr>
             <a:spLocks noGrp="1"/>
           </p:cNvSpPr>
@@ -369,18 +340,13 @@
               <a:rPr lang="en-US"/>
               <a:t>Click to edit Master title style</a:t>
             </a:r>
-          </a:p>
-        </p:txBody>
-      </p:sp>
-      <p:sp>
-        <p:nvSpPr>
-          <p:cNvPr id="3" name="Vertical Text Placeholder 2">
-            <a:extLst>
-              <a:ext uri="{FF2B5EF4-FFF2-40B4-BE49-F238E27FC236}">
-                <a16:creationId xmlns:a16="http://schemas.microsoft.com/office/drawing/2014/main" id="{33BD3635-9AE6-964E-A46D-55FDD8528BA5}"/>
-              </a:ext>
-            </a:extLst>
-          </p:cNvPr>
+            <a:endParaRPr lang="en-US" dirty="0"/>
+          </a:p>
+        </p:txBody>
+      </p:sp>
+      <p:sp>
+        <p:nvSpPr>
+          <p:cNvPr id="3" name="Vertical Text Placeholder 2"/>
           <p:cNvSpPr>
             <a:spLocks noGrp="1"/>
           </p:cNvSpPr>
@@ -426,18 +392,13 @@
               <a:rPr lang="en-US"/>
               <a:t>Fifth level</a:t>
             </a:r>
-          </a:p>
-        </p:txBody>
-      </p:sp>
-      <p:sp>
-        <p:nvSpPr>
-          <p:cNvPr id="4" name="Date Placeholder 3">
-            <a:extLst>
-              <a:ext uri="{FF2B5EF4-FFF2-40B4-BE49-F238E27FC236}">
-                <a16:creationId xmlns:a16="http://schemas.microsoft.com/office/drawing/2014/main" id="{C5EED42D-93C6-B24A-BACB-82E1192A1638}"/>
-              </a:ext>
-            </a:extLst>
-          </p:cNvPr>
+            <a:endParaRPr lang="en-US" dirty="0"/>
+          </a:p>
+        </p:txBody>
+      </p:sp>
+      <p:sp>
+        <p:nvSpPr>
+          <p:cNvPr id="4" name="Date Placeholder 3"/>
           <p:cNvSpPr>
             <a:spLocks noGrp="1"/>
           </p:cNvSpPr>
@@ -460,13 +421,7 @@
       </p:sp>
       <p:sp>
         <p:nvSpPr>
-          <p:cNvPr id="5" name="Footer Placeholder 4">
-            <a:extLst>
-              <a:ext uri="{FF2B5EF4-FFF2-40B4-BE49-F238E27FC236}">
-                <a16:creationId xmlns:a16="http://schemas.microsoft.com/office/drawing/2014/main" id="{C27283FD-75AF-5C45-81F6-DD8958125D02}"/>
-              </a:ext>
-            </a:extLst>
-          </p:cNvPr>
+          <p:cNvPr id="5" name="Footer Placeholder 4"/>
           <p:cNvSpPr>
             <a:spLocks noGrp="1"/>
           </p:cNvSpPr>
@@ -485,13 +440,7 @@
       </p:sp>
       <p:sp>
         <p:nvSpPr>
-          <p:cNvPr id="6" name="Slide Number Placeholder 5">
-            <a:extLst>
-              <a:ext uri="{FF2B5EF4-FFF2-40B4-BE49-F238E27FC236}">
-                <a16:creationId xmlns:a16="http://schemas.microsoft.com/office/drawing/2014/main" id="{8829D4B0-7F91-054A-8BBD-4FDCD5A675AD}"/>
-              </a:ext>
-            </a:extLst>
-          </p:cNvPr>
+          <p:cNvPr id="6" name="Slide Number Placeholder 5"/>
           <p:cNvSpPr>
             <a:spLocks noGrp="1"/>
           </p:cNvSpPr>
@@ -515,7 +464,7 @@
     </p:spTree>
     <p:extLst>
       <p:ext uri="{BB962C8B-B14F-4D97-AF65-F5344CB8AC3E}">
-        <p14:creationId xmlns:p14="http://schemas.microsoft.com/office/powerpoint/2010/main" val="1142076505"/>
+        <p14:creationId xmlns:p14="http://schemas.microsoft.com/office/powerpoint/2010/main" val="3427569748"/>
       </p:ext>
     </p:extLst>
   </p:cSld>
@@ -544,13 +493,7 @@
       </p:grpSpPr>
       <p:sp>
         <p:nvSpPr>
-          <p:cNvPr id="2" name="Vertical Title 1">
-            <a:extLst>
-              <a:ext uri="{FF2B5EF4-FFF2-40B4-BE49-F238E27FC236}">
-                <a16:creationId xmlns:a16="http://schemas.microsoft.com/office/drawing/2014/main" id="{A1228BEE-F7C5-8E44-B902-B633DAF346F7}"/>
-              </a:ext>
-            </a:extLst>
-          </p:cNvPr>
+          <p:cNvPr id="2" name="Vertical Title 1"/>
           <p:cNvSpPr>
             <a:spLocks noGrp="1"/>
           </p:cNvSpPr>
@@ -560,8 +503,8 @@
         </p:nvSpPr>
         <p:spPr>
           <a:xfrm>
-            <a:off x="8724900" y="365125"/>
-            <a:ext cx="2628900" cy="5811838"/>
+            <a:off x="19631025" y="146050"/>
+            <a:ext cx="5915025" cy="2324735"/>
           </a:xfrm>
         </p:spPr>
         <p:txBody>
@@ -572,18 +515,13 @@
               <a:rPr lang="en-US"/>
               <a:t>Click to edit Master title style</a:t>
             </a:r>
-          </a:p>
-        </p:txBody>
-      </p:sp>
-      <p:sp>
-        <p:nvSpPr>
-          <p:cNvPr id="3" name="Vertical Text Placeholder 2">
-            <a:extLst>
-              <a:ext uri="{FF2B5EF4-FFF2-40B4-BE49-F238E27FC236}">
-                <a16:creationId xmlns:a16="http://schemas.microsoft.com/office/drawing/2014/main" id="{62ECA5F6-2748-E746-AF45-3C8D23CE6473}"/>
-              </a:ext>
-            </a:extLst>
-          </p:cNvPr>
+            <a:endParaRPr lang="en-US" dirty="0"/>
+          </a:p>
+        </p:txBody>
+      </p:sp>
+      <p:sp>
+        <p:nvSpPr>
+          <p:cNvPr id="3" name="Vertical Text Placeholder 2"/>
           <p:cNvSpPr>
             <a:spLocks noGrp="1"/>
           </p:cNvSpPr>
@@ -593,8 +531,8 @@
         </p:nvSpPr>
         <p:spPr>
           <a:xfrm>
-            <a:off x="838200" y="365125"/>
-            <a:ext cx="7734300" cy="5811838"/>
+            <a:off x="1885950" y="146050"/>
+            <a:ext cx="17402175" cy="2324735"/>
           </a:xfrm>
         </p:spPr>
         <p:txBody>
@@ -634,18 +572,13 @@
               <a:rPr lang="en-US"/>
               <a:t>Fifth level</a:t>
             </a:r>
-          </a:p>
-        </p:txBody>
-      </p:sp>
-      <p:sp>
-        <p:nvSpPr>
-          <p:cNvPr id="4" name="Date Placeholder 3">
-            <a:extLst>
-              <a:ext uri="{FF2B5EF4-FFF2-40B4-BE49-F238E27FC236}">
-                <a16:creationId xmlns:a16="http://schemas.microsoft.com/office/drawing/2014/main" id="{1FE504A4-F8A4-924F-B3DD-BE2F9958AF07}"/>
-              </a:ext>
-            </a:extLst>
-          </p:cNvPr>
+            <a:endParaRPr lang="en-US" dirty="0"/>
+          </a:p>
+        </p:txBody>
+      </p:sp>
+      <p:sp>
+        <p:nvSpPr>
+          <p:cNvPr id="4" name="Date Placeholder 3"/>
           <p:cNvSpPr>
             <a:spLocks noGrp="1"/>
           </p:cNvSpPr>
@@ -668,13 +601,7 @@
       </p:sp>
       <p:sp>
         <p:nvSpPr>
-          <p:cNvPr id="5" name="Footer Placeholder 4">
-            <a:extLst>
-              <a:ext uri="{FF2B5EF4-FFF2-40B4-BE49-F238E27FC236}">
-                <a16:creationId xmlns:a16="http://schemas.microsoft.com/office/drawing/2014/main" id="{2CA5339E-164D-5A40-BFB7-4E3172349AF4}"/>
-              </a:ext>
-            </a:extLst>
-          </p:cNvPr>
+          <p:cNvPr id="5" name="Footer Placeholder 4"/>
           <p:cNvSpPr>
             <a:spLocks noGrp="1"/>
           </p:cNvSpPr>
@@ -693,13 +620,7 @@
       </p:sp>
       <p:sp>
         <p:nvSpPr>
-          <p:cNvPr id="6" name="Slide Number Placeholder 5">
-            <a:extLst>
-              <a:ext uri="{FF2B5EF4-FFF2-40B4-BE49-F238E27FC236}">
-                <a16:creationId xmlns:a16="http://schemas.microsoft.com/office/drawing/2014/main" id="{3E7130FE-CED3-A94D-96B2-EA98CBB8AC0F}"/>
-              </a:ext>
-            </a:extLst>
-          </p:cNvPr>
+          <p:cNvPr id="6" name="Slide Number Placeholder 5"/>
           <p:cNvSpPr>
             <a:spLocks noGrp="1"/>
           </p:cNvSpPr>
@@ -723,7 +644,7 @@
     </p:spTree>
     <p:extLst>
       <p:ext uri="{BB962C8B-B14F-4D97-AF65-F5344CB8AC3E}">
-        <p14:creationId xmlns:p14="http://schemas.microsoft.com/office/powerpoint/2010/main" val="2676025544"/>
+        <p14:creationId xmlns:p14="http://schemas.microsoft.com/office/powerpoint/2010/main" val="1483141210"/>
       </p:ext>
     </p:extLst>
   </p:cSld>
@@ -752,13 +673,7 @@
       </p:grpSpPr>
       <p:sp>
         <p:nvSpPr>
-          <p:cNvPr id="2" name="Title 1">
-            <a:extLst>
-              <a:ext uri="{FF2B5EF4-FFF2-40B4-BE49-F238E27FC236}">
-                <a16:creationId xmlns:a16="http://schemas.microsoft.com/office/drawing/2014/main" id="{2DF61259-4E00-4648-85FD-EC0A50F9CB04}"/>
-              </a:ext>
-            </a:extLst>
-          </p:cNvPr>
+          <p:cNvPr id="2" name="Title 1"/>
           <p:cNvSpPr>
             <a:spLocks noGrp="1"/>
           </p:cNvSpPr>
@@ -775,18 +690,13 @@
               <a:rPr lang="en-US"/>
               <a:t>Click to edit Master title style</a:t>
             </a:r>
-          </a:p>
-        </p:txBody>
-      </p:sp>
-      <p:sp>
-        <p:nvSpPr>
-          <p:cNvPr id="3" name="Content Placeholder 2">
-            <a:extLst>
-              <a:ext uri="{FF2B5EF4-FFF2-40B4-BE49-F238E27FC236}">
-                <a16:creationId xmlns:a16="http://schemas.microsoft.com/office/drawing/2014/main" id="{C6F5A7C3-03A5-A142-9F05-31B06D0B00DF}"/>
-              </a:ext>
-            </a:extLst>
-          </p:cNvPr>
+            <a:endParaRPr lang="en-US" dirty="0"/>
+          </a:p>
+        </p:txBody>
+      </p:sp>
+      <p:sp>
+        <p:nvSpPr>
+          <p:cNvPr id="3" name="Content Placeholder 2"/>
           <p:cNvSpPr>
             <a:spLocks noGrp="1"/>
           </p:cNvSpPr>
@@ -832,18 +742,13 @@
               <a:rPr lang="en-US"/>
               <a:t>Fifth level</a:t>
             </a:r>
-          </a:p>
-        </p:txBody>
-      </p:sp>
-      <p:sp>
-        <p:nvSpPr>
-          <p:cNvPr id="4" name="Date Placeholder 3">
-            <a:extLst>
-              <a:ext uri="{FF2B5EF4-FFF2-40B4-BE49-F238E27FC236}">
-                <a16:creationId xmlns:a16="http://schemas.microsoft.com/office/drawing/2014/main" id="{126AA391-8225-B64E-B278-8EDE0FC7B92F}"/>
-              </a:ext>
-            </a:extLst>
-          </p:cNvPr>
+            <a:endParaRPr lang="en-US" dirty="0"/>
+          </a:p>
+        </p:txBody>
+      </p:sp>
+      <p:sp>
+        <p:nvSpPr>
+          <p:cNvPr id="4" name="Date Placeholder 3"/>
           <p:cNvSpPr>
             <a:spLocks noGrp="1"/>
           </p:cNvSpPr>
@@ -866,13 +771,7 @@
       </p:sp>
       <p:sp>
         <p:nvSpPr>
-          <p:cNvPr id="5" name="Footer Placeholder 4">
-            <a:extLst>
-              <a:ext uri="{FF2B5EF4-FFF2-40B4-BE49-F238E27FC236}">
-                <a16:creationId xmlns:a16="http://schemas.microsoft.com/office/drawing/2014/main" id="{A56ADC01-1477-294A-B999-DF34676B035B}"/>
-              </a:ext>
-            </a:extLst>
-          </p:cNvPr>
+          <p:cNvPr id="5" name="Footer Placeholder 4"/>
           <p:cNvSpPr>
             <a:spLocks noGrp="1"/>
           </p:cNvSpPr>
@@ -891,13 +790,7 @@
       </p:sp>
       <p:sp>
         <p:nvSpPr>
-          <p:cNvPr id="6" name="Slide Number Placeholder 5">
-            <a:extLst>
-              <a:ext uri="{FF2B5EF4-FFF2-40B4-BE49-F238E27FC236}">
-                <a16:creationId xmlns:a16="http://schemas.microsoft.com/office/drawing/2014/main" id="{FA1132AD-CE86-EC49-9642-16A9D0AF3388}"/>
-              </a:ext>
-            </a:extLst>
-          </p:cNvPr>
+          <p:cNvPr id="6" name="Slide Number Placeholder 5"/>
           <p:cNvSpPr>
             <a:spLocks noGrp="1"/>
           </p:cNvSpPr>
@@ -921,7 +814,7 @@
     </p:spTree>
     <p:extLst>
       <p:ext uri="{BB962C8B-B14F-4D97-AF65-F5344CB8AC3E}">
-        <p14:creationId xmlns:p14="http://schemas.microsoft.com/office/powerpoint/2010/main" val="4241581618"/>
+        <p14:creationId xmlns:p14="http://schemas.microsoft.com/office/powerpoint/2010/main" val="2951479496"/>
       </p:ext>
     </p:extLst>
   </p:cSld>
@@ -950,13 +843,7 @@
       </p:grpSpPr>
       <p:sp>
         <p:nvSpPr>
-          <p:cNvPr id="2" name="Title 1">
-            <a:extLst>
-              <a:ext uri="{FF2B5EF4-FFF2-40B4-BE49-F238E27FC236}">
-                <a16:creationId xmlns:a16="http://schemas.microsoft.com/office/drawing/2014/main" id="{4DED69C6-A239-2B47-A5F5-EF4F68A35DE8}"/>
-              </a:ext>
-            </a:extLst>
-          </p:cNvPr>
+          <p:cNvPr id="2" name="Title 1"/>
           <p:cNvSpPr>
             <a:spLocks noGrp="1"/>
           </p:cNvSpPr>
@@ -966,15 +853,15 @@
         </p:nvSpPr>
         <p:spPr>
           <a:xfrm>
-            <a:off x="831850" y="1709738"/>
-            <a:ext cx="10515600" cy="2852737"/>
+            <a:off x="1871663" y="683895"/>
+            <a:ext cx="23660100" cy="1141095"/>
           </a:xfrm>
         </p:spPr>
         <p:txBody>
           <a:bodyPr anchor="b"/>
           <a:lstStyle>
             <a:lvl1pPr>
-              <a:defRPr sz="6000"/>
+              <a:defRPr sz="2400"/>
             </a:lvl1pPr>
           </a:lstStyle>
           <a:p>
@@ -982,18 +869,13 @@
               <a:rPr lang="en-US"/>
               <a:t>Click to edit Master title style</a:t>
             </a:r>
-          </a:p>
-        </p:txBody>
-      </p:sp>
-      <p:sp>
-        <p:nvSpPr>
-          <p:cNvPr id="3" name="Text Placeholder 2">
-            <a:extLst>
-              <a:ext uri="{FF2B5EF4-FFF2-40B4-BE49-F238E27FC236}">
-                <a16:creationId xmlns:a16="http://schemas.microsoft.com/office/drawing/2014/main" id="{61FE93A3-8BC5-724A-9A57-4BE16A8CBE35}"/>
-              </a:ext>
-            </a:extLst>
-          </p:cNvPr>
+            <a:endParaRPr lang="en-US" dirty="0"/>
+          </a:p>
+        </p:txBody>
+      </p:sp>
+      <p:sp>
+        <p:nvSpPr>
+          <p:cNvPr id="3" name="Text Placeholder 2"/>
           <p:cNvSpPr>
             <a:spLocks noGrp="1"/>
           </p:cNvSpPr>
@@ -1003,8 +885,8 @@
         </p:nvSpPr>
         <p:spPr>
           <a:xfrm>
-            <a:off x="831850" y="4589463"/>
-            <a:ext cx="10515600" cy="1500187"/>
+            <a:off x="1871663" y="1835785"/>
+            <a:ext cx="23660100" cy="600075"/>
           </a:xfrm>
         </p:spPr>
         <p:txBody>
@@ -1012,7 +894,7 @@
           <a:lstStyle>
             <a:lvl1pPr marL="0" indent="0">
               <a:buNone/>
-              <a:defRPr sz="2400">
+              <a:defRPr sz="960">
                 <a:solidFill>
                   <a:schemeClr val="tx1">
                     <a:tint val="75000"/>
@@ -1020,9 +902,9 @@
                 </a:solidFill>
               </a:defRPr>
             </a:lvl1pPr>
-            <a:lvl2pPr marL="457200" indent="0">
-              <a:buNone/>
-              <a:defRPr sz="2000">
+            <a:lvl2pPr marL="182880" indent="0">
+              <a:buNone/>
+              <a:defRPr sz="800">
                 <a:solidFill>
                   <a:schemeClr val="tx1">
                     <a:tint val="75000"/>
@@ -1030,9 +912,9 @@
                 </a:solidFill>
               </a:defRPr>
             </a:lvl2pPr>
-            <a:lvl3pPr marL="914400" indent="0">
-              <a:buNone/>
-              <a:defRPr sz="1800">
+            <a:lvl3pPr marL="365760" indent="0">
+              <a:buNone/>
+              <a:defRPr sz="720">
                 <a:solidFill>
                   <a:schemeClr val="tx1">
                     <a:tint val="75000"/>
@@ -1040,9 +922,9 @@
                 </a:solidFill>
               </a:defRPr>
             </a:lvl3pPr>
-            <a:lvl4pPr marL="1371600" indent="0">
-              <a:buNone/>
-              <a:defRPr sz="1600">
+            <a:lvl4pPr marL="548640" indent="0">
+              <a:buNone/>
+              <a:defRPr sz="640">
                 <a:solidFill>
                   <a:schemeClr val="tx1">
                     <a:tint val="75000"/>
@@ -1050,9 +932,9 @@
                 </a:solidFill>
               </a:defRPr>
             </a:lvl4pPr>
-            <a:lvl5pPr marL="1828800" indent="0">
-              <a:buNone/>
-              <a:defRPr sz="1600">
+            <a:lvl5pPr marL="731520" indent="0">
+              <a:buNone/>
+              <a:defRPr sz="640">
                 <a:solidFill>
                   <a:schemeClr val="tx1">
                     <a:tint val="75000"/>
@@ -1060,9 +942,9 @@
                 </a:solidFill>
               </a:defRPr>
             </a:lvl5pPr>
-            <a:lvl6pPr marL="2286000" indent="0">
-              <a:buNone/>
-              <a:defRPr sz="1600">
+            <a:lvl6pPr marL="914400" indent="0">
+              <a:buNone/>
+              <a:defRPr sz="640">
                 <a:solidFill>
                   <a:schemeClr val="tx1">
                     <a:tint val="75000"/>
@@ -1070,9 +952,9 @@
                 </a:solidFill>
               </a:defRPr>
             </a:lvl6pPr>
-            <a:lvl7pPr marL="2743200" indent="0">
-              <a:buNone/>
-              <a:defRPr sz="1600">
+            <a:lvl7pPr marL="1097280" indent="0">
+              <a:buNone/>
+              <a:defRPr sz="640">
                 <a:solidFill>
                   <a:schemeClr val="tx1">
                     <a:tint val="75000"/>
@@ -1080,9 +962,9 @@
                 </a:solidFill>
               </a:defRPr>
             </a:lvl7pPr>
-            <a:lvl8pPr marL="3200400" indent="0">
-              <a:buNone/>
-              <a:defRPr sz="1600">
+            <a:lvl8pPr marL="1280160" indent="0">
+              <a:buNone/>
+              <a:defRPr sz="640">
                 <a:solidFill>
                   <a:schemeClr val="tx1">
                     <a:tint val="75000"/>
@@ -1090,9 +972,9 @@
                 </a:solidFill>
               </a:defRPr>
             </a:lvl8pPr>
-            <a:lvl9pPr marL="3657600" indent="0">
-              <a:buNone/>
-              <a:defRPr sz="1600">
+            <a:lvl9pPr marL="1463040" indent="0">
+              <a:buNone/>
+              <a:defRPr sz="640">
                 <a:solidFill>
                   <a:schemeClr val="tx1">
                     <a:tint val="75000"/>
@@ -1112,13 +994,7 @@
       </p:sp>
       <p:sp>
         <p:nvSpPr>
-          <p:cNvPr id="4" name="Date Placeholder 3">
-            <a:extLst>
-              <a:ext uri="{FF2B5EF4-FFF2-40B4-BE49-F238E27FC236}">
-                <a16:creationId xmlns:a16="http://schemas.microsoft.com/office/drawing/2014/main" id="{8B85787D-5C62-4647-84FC-78FC43990842}"/>
-              </a:ext>
-            </a:extLst>
-          </p:cNvPr>
+          <p:cNvPr id="4" name="Date Placeholder 3"/>
           <p:cNvSpPr>
             <a:spLocks noGrp="1"/>
           </p:cNvSpPr>
@@ -1141,13 +1017,7 @@
       </p:sp>
       <p:sp>
         <p:nvSpPr>
-          <p:cNvPr id="5" name="Footer Placeholder 4">
-            <a:extLst>
-              <a:ext uri="{FF2B5EF4-FFF2-40B4-BE49-F238E27FC236}">
-                <a16:creationId xmlns:a16="http://schemas.microsoft.com/office/drawing/2014/main" id="{960C1F8B-CE43-BA4C-8DA8-98FE1E40AF01}"/>
-              </a:ext>
-            </a:extLst>
-          </p:cNvPr>
+          <p:cNvPr id="5" name="Footer Placeholder 4"/>
           <p:cNvSpPr>
             <a:spLocks noGrp="1"/>
           </p:cNvSpPr>
@@ -1166,13 +1036,7 @@
       </p:sp>
       <p:sp>
         <p:nvSpPr>
-          <p:cNvPr id="6" name="Slide Number Placeholder 5">
-            <a:extLst>
-              <a:ext uri="{FF2B5EF4-FFF2-40B4-BE49-F238E27FC236}">
-                <a16:creationId xmlns:a16="http://schemas.microsoft.com/office/drawing/2014/main" id="{A21A2E72-E779-C249-BA58-604C06C58061}"/>
-              </a:ext>
-            </a:extLst>
-          </p:cNvPr>
+          <p:cNvPr id="6" name="Slide Number Placeholder 5"/>
           <p:cNvSpPr>
             <a:spLocks noGrp="1"/>
           </p:cNvSpPr>
@@ -1196,7 +1060,7 @@
     </p:spTree>
     <p:extLst>
       <p:ext uri="{BB962C8B-B14F-4D97-AF65-F5344CB8AC3E}">
-        <p14:creationId xmlns:p14="http://schemas.microsoft.com/office/powerpoint/2010/main" val="621689455"/>
+        <p14:creationId xmlns:p14="http://schemas.microsoft.com/office/powerpoint/2010/main" val="3950671333"/>
       </p:ext>
     </p:extLst>
   </p:cSld>
@@ -1225,13 +1089,7 @@
       </p:grpSpPr>
       <p:sp>
         <p:nvSpPr>
-          <p:cNvPr id="2" name="Title 1">
-            <a:extLst>
-              <a:ext uri="{FF2B5EF4-FFF2-40B4-BE49-F238E27FC236}">
-                <a16:creationId xmlns:a16="http://schemas.microsoft.com/office/drawing/2014/main" id="{22815EA7-E78F-E34B-96E2-97BA96462A9B}"/>
-              </a:ext>
-            </a:extLst>
-          </p:cNvPr>
+          <p:cNvPr id="2" name="Title 1"/>
           <p:cNvSpPr>
             <a:spLocks noGrp="1"/>
           </p:cNvSpPr>
@@ -1248,18 +1106,13 @@
               <a:rPr lang="en-US"/>
               <a:t>Click to edit Master title style</a:t>
             </a:r>
-          </a:p>
-        </p:txBody>
-      </p:sp>
-      <p:sp>
-        <p:nvSpPr>
-          <p:cNvPr id="3" name="Content Placeholder 2">
-            <a:extLst>
-              <a:ext uri="{FF2B5EF4-FFF2-40B4-BE49-F238E27FC236}">
-                <a16:creationId xmlns:a16="http://schemas.microsoft.com/office/drawing/2014/main" id="{0D1CE4FF-B112-9043-BDC1-CA499D9E6B54}"/>
-              </a:ext>
-            </a:extLst>
-          </p:cNvPr>
+            <a:endParaRPr lang="en-US" dirty="0"/>
+          </a:p>
+        </p:txBody>
+      </p:sp>
+      <p:sp>
+        <p:nvSpPr>
+          <p:cNvPr id="3" name="Content Placeholder 2"/>
           <p:cNvSpPr>
             <a:spLocks noGrp="1"/>
           </p:cNvSpPr>
@@ -1269,8 +1122,8 @@
         </p:nvSpPr>
         <p:spPr>
           <a:xfrm>
-            <a:off x="838200" y="1825625"/>
-            <a:ext cx="5181600" cy="4351338"/>
+            <a:off x="1885950" y="730250"/>
+            <a:ext cx="11658600" cy="1740535"/>
           </a:xfrm>
         </p:spPr>
         <p:txBody>
@@ -1310,18 +1163,13 @@
               <a:rPr lang="en-US"/>
               <a:t>Fifth level</a:t>
             </a:r>
-          </a:p>
-        </p:txBody>
-      </p:sp>
-      <p:sp>
-        <p:nvSpPr>
-          <p:cNvPr id="4" name="Content Placeholder 3">
-            <a:extLst>
-              <a:ext uri="{FF2B5EF4-FFF2-40B4-BE49-F238E27FC236}">
-                <a16:creationId xmlns:a16="http://schemas.microsoft.com/office/drawing/2014/main" id="{5C0811C5-1851-4840-BC60-D80788466F5B}"/>
-              </a:ext>
-            </a:extLst>
-          </p:cNvPr>
+            <a:endParaRPr lang="en-US" dirty="0"/>
+          </a:p>
+        </p:txBody>
+      </p:sp>
+      <p:sp>
+        <p:nvSpPr>
+          <p:cNvPr id="4" name="Content Placeholder 3"/>
           <p:cNvSpPr>
             <a:spLocks noGrp="1"/>
           </p:cNvSpPr>
@@ -1331,8 +1179,8 @@
         </p:nvSpPr>
         <p:spPr>
           <a:xfrm>
-            <a:off x="6172200" y="1825625"/>
-            <a:ext cx="5181600" cy="4351338"/>
+            <a:off x="13887450" y="730250"/>
+            <a:ext cx="11658600" cy="1740535"/>
           </a:xfrm>
         </p:spPr>
         <p:txBody>
@@ -1372,18 +1220,13 @@
               <a:rPr lang="en-US"/>
               <a:t>Fifth level</a:t>
             </a:r>
-          </a:p>
-        </p:txBody>
-      </p:sp>
-      <p:sp>
-        <p:nvSpPr>
-          <p:cNvPr id="5" name="Date Placeholder 4">
-            <a:extLst>
-              <a:ext uri="{FF2B5EF4-FFF2-40B4-BE49-F238E27FC236}">
-                <a16:creationId xmlns:a16="http://schemas.microsoft.com/office/drawing/2014/main" id="{40195B96-79B5-EC47-AEB2-E77041FA8738}"/>
-              </a:ext>
-            </a:extLst>
-          </p:cNvPr>
+            <a:endParaRPr lang="en-US" dirty="0"/>
+          </a:p>
+        </p:txBody>
+      </p:sp>
+      <p:sp>
+        <p:nvSpPr>
+          <p:cNvPr id="5" name="Date Placeholder 4"/>
           <p:cNvSpPr>
             <a:spLocks noGrp="1"/>
           </p:cNvSpPr>
@@ -1406,13 +1249,7 @@
       </p:sp>
       <p:sp>
         <p:nvSpPr>
-          <p:cNvPr id="6" name="Footer Placeholder 5">
-            <a:extLst>
-              <a:ext uri="{FF2B5EF4-FFF2-40B4-BE49-F238E27FC236}">
-                <a16:creationId xmlns:a16="http://schemas.microsoft.com/office/drawing/2014/main" id="{12950EC2-B126-A84D-AC19-612838FE4DF9}"/>
-              </a:ext>
-            </a:extLst>
-          </p:cNvPr>
+          <p:cNvPr id="6" name="Footer Placeholder 5"/>
           <p:cNvSpPr>
             <a:spLocks noGrp="1"/>
           </p:cNvSpPr>
@@ -1431,13 +1268,7 @@
       </p:sp>
       <p:sp>
         <p:nvSpPr>
-          <p:cNvPr id="7" name="Slide Number Placeholder 6">
-            <a:extLst>
-              <a:ext uri="{FF2B5EF4-FFF2-40B4-BE49-F238E27FC236}">
-                <a16:creationId xmlns:a16="http://schemas.microsoft.com/office/drawing/2014/main" id="{8E3A6B45-D254-C647-A329-238144F99204}"/>
-              </a:ext>
-            </a:extLst>
-          </p:cNvPr>
+          <p:cNvPr id="7" name="Slide Number Placeholder 6"/>
           <p:cNvSpPr>
             <a:spLocks noGrp="1"/>
           </p:cNvSpPr>
@@ -1461,7 +1292,7 @@
     </p:spTree>
     <p:extLst>
       <p:ext uri="{BB962C8B-B14F-4D97-AF65-F5344CB8AC3E}">
-        <p14:creationId xmlns:p14="http://schemas.microsoft.com/office/powerpoint/2010/main" val="1760037430"/>
+        <p14:creationId xmlns:p14="http://schemas.microsoft.com/office/powerpoint/2010/main" val="114033396"/>
       </p:ext>
     </p:extLst>
   </p:cSld>
@@ -1490,13 +1321,7 @@
       </p:grpSpPr>
       <p:sp>
         <p:nvSpPr>
-          <p:cNvPr id="2" name="Title 1">
-            <a:extLst>
-              <a:ext uri="{FF2B5EF4-FFF2-40B4-BE49-F238E27FC236}">
-                <a16:creationId xmlns:a16="http://schemas.microsoft.com/office/drawing/2014/main" id="{47622DA7-3362-9E4B-8D24-F6E5063D3B2C}"/>
-              </a:ext>
-            </a:extLst>
-          </p:cNvPr>
+          <p:cNvPr id="2" name="Title 1"/>
           <p:cNvSpPr>
             <a:spLocks noGrp="1"/>
           </p:cNvSpPr>
@@ -1506,8 +1331,8 @@
         </p:nvSpPr>
         <p:spPr>
           <a:xfrm>
-            <a:off x="839788" y="365125"/>
-            <a:ext cx="10515600" cy="1325563"/>
+            <a:off x="1889523" y="146050"/>
+            <a:ext cx="23660100" cy="530225"/>
           </a:xfrm>
         </p:spPr>
         <p:txBody>
@@ -1518,18 +1343,13 @@
               <a:rPr lang="en-US"/>
               <a:t>Click to edit Master title style</a:t>
             </a:r>
-          </a:p>
-        </p:txBody>
-      </p:sp>
-      <p:sp>
-        <p:nvSpPr>
-          <p:cNvPr id="3" name="Text Placeholder 2">
-            <a:extLst>
-              <a:ext uri="{FF2B5EF4-FFF2-40B4-BE49-F238E27FC236}">
-                <a16:creationId xmlns:a16="http://schemas.microsoft.com/office/drawing/2014/main" id="{D668656B-95B5-CB46-88D3-3EDE744CC300}"/>
-              </a:ext>
-            </a:extLst>
-          </p:cNvPr>
+            <a:endParaRPr lang="en-US" dirty="0"/>
+          </a:p>
+        </p:txBody>
+      </p:sp>
+      <p:sp>
+        <p:nvSpPr>
+          <p:cNvPr id="3" name="Text Placeholder 2"/>
           <p:cNvSpPr>
             <a:spLocks noGrp="1"/>
           </p:cNvSpPr>
@@ -1539,8 +1359,8 @@
         </p:nvSpPr>
         <p:spPr>
           <a:xfrm>
-            <a:off x="839788" y="1681163"/>
-            <a:ext cx="5157787" cy="823912"/>
+            <a:off x="1889524" y="672465"/>
+            <a:ext cx="11605021" cy="329565"/>
           </a:xfrm>
         </p:spPr>
         <p:txBody>
@@ -1548,39 +1368,39 @@
           <a:lstStyle>
             <a:lvl1pPr marL="0" indent="0">
               <a:buNone/>
-              <a:defRPr sz="2400" b="1"/>
+              <a:defRPr sz="960" b="1"/>
             </a:lvl1pPr>
-            <a:lvl2pPr marL="457200" indent="0">
-              <a:buNone/>
-              <a:defRPr sz="2000" b="1"/>
+            <a:lvl2pPr marL="182880" indent="0">
+              <a:buNone/>
+              <a:defRPr sz="800" b="1"/>
             </a:lvl2pPr>
-            <a:lvl3pPr marL="914400" indent="0">
-              <a:buNone/>
-              <a:defRPr sz="1800" b="1"/>
+            <a:lvl3pPr marL="365760" indent="0">
+              <a:buNone/>
+              <a:defRPr sz="720" b="1"/>
             </a:lvl3pPr>
-            <a:lvl4pPr marL="1371600" indent="0">
-              <a:buNone/>
-              <a:defRPr sz="1600" b="1"/>
+            <a:lvl4pPr marL="548640" indent="0">
+              <a:buNone/>
+              <a:defRPr sz="640" b="1"/>
             </a:lvl4pPr>
-            <a:lvl5pPr marL="1828800" indent="0">
-              <a:buNone/>
-              <a:defRPr sz="1600" b="1"/>
+            <a:lvl5pPr marL="731520" indent="0">
+              <a:buNone/>
+              <a:defRPr sz="640" b="1"/>
             </a:lvl5pPr>
-            <a:lvl6pPr marL="2286000" indent="0">
-              <a:buNone/>
-              <a:defRPr sz="1600" b="1"/>
+            <a:lvl6pPr marL="914400" indent="0">
+              <a:buNone/>
+              <a:defRPr sz="640" b="1"/>
             </a:lvl6pPr>
-            <a:lvl7pPr marL="2743200" indent="0">
-              <a:buNone/>
-              <a:defRPr sz="1600" b="1"/>
+            <a:lvl7pPr marL="1097280" indent="0">
+              <a:buNone/>
+              <a:defRPr sz="640" b="1"/>
             </a:lvl7pPr>
-            <a:lvl8pPr marL="3200400" indent="0">
-              <a:buNone/>
-              <a:defRPr sz="1600" b="1"/>
+            <a:lvl8pPr marL="1280160" indent="0">
+              <a:buNone/>
+              <a:defRPr sz="640" b="1"/>
             </a:lvl8pPr>
-            <a:lvl9pPr marL="3657600" indent="0">
-              <a:buNone/>
-              <a:defRPr sz="1600" b="1"/>
+            <a:lvl9pPr marL="1463040" indent="0">
+              <a:buNone/>
+              <a:defRPr sz="640" b="1"/>
             </a:lvl9pPr>
           </a:lstStyle>
           <a:p>
@@ -1594,13 +1414,7 @@
       </p:sp>
       <p:sp>
         <p:nvSpPr>
-          <p:cNvPr id="4" name="Content Placeholder 3">
-            <a:extLst>
-              <a:ext uri="{FF2B5EF4-FFF2-40B4-BE49-F238E27FC236}">
-                <a16:creationId xmlns:a16="http://schemas.microsoft.com/office/drawing/2014/main" id="{E139B701-486E-0448-AC37-878616CEB12C}"/>
-              </a:ext>
-            </a:extLst>
-          </p:cNvPr>
+          <p:cNvPr id="4" name="Content Placeholder 3"/>
           <p:cNvSpPr>
             <a:spLocks noGrp="1"/>
           </p:cNvSpPr>
@@ -1610,8 +1424,8 @@
         </p:nvSpPr>
         <p:spPr>
           <a:xfrm>
-            <a:off x="839788" y="2505075"/>
-            <a:ext cx="5157787" cy="3684588"/>
+            <a:off x="1889524" y="1002030"/>
+            <a:ext cx="11605021" cy="1473835"/>
           </a:xfrm>
         </p:spPr>
         <p:txBody>
@@ -1651,18 +1465,13 @@
               <a:rPr lang="en-US"/>
               <a:t>Fifth level</a:t>
             </a:r>
-          </a:p>
-        </p:txBody>
-      </p:sp>
-      <p:sp>
-        <p:nvSpPr>
-          <p:cNvPr id="5" name="Text Placeholder 4">
-            <a:extLst>
-              <a:ext uri="{FF2B5EF4-FFF2-40B4-BE49-F238E27FC236}">
-                <a16:creationId xmlns:a16="http://schemas.microsoft.com/office/drawing/2014/main" id="{ECADCCBF-2FCD-3249-A197-AAE9CB73069B}"/>
-              </a:ext>
-            </a:extLst>
-          </p:cNvPr>
+            <a:endParaRPr lang="en-US" dirty="0"/>
+          </a:p>
+        </p:txBody>
+      </p:sp>
+      <p:sp>
+        <p:nvSpPr>
+          <p:cNvPr id="5" name="Text Placeholder 4"/>
           <p:cNvSpPr>
             <a:spLocks noGrp="1"/>
           </p:cNvSpPr>
@@ -1672,8 +1481,8 @@
         </p:nvSpPr>
         <p:spPr>
           <a:xfrm>
-            <a:off x="6172200" y="1681163"/>
-            <a:ext cx="5183188" cy="823912"/>
+            <a:off x="13887450" y="672465"/>
+            <a:ext cx="11662173" cy="329565"/>
           </a:xfrm>
         </p:spPr>
         <p:txBody>
@@ -1681,39 +1490,39 @@
           <a:lstStyle>
             <a:lvl1pPr marL="0" indent="0">
               <a:buNone/>
-              <a:defRPr sz="2400" b="1"/>
+              <a:defRPr sz="960" b="1"/>
             </a:lvl1pPr>
-            <a:lvl2pPr marL="457200" indent="0">
-              <a:buNone/>
-              <a:defRPr sz="2000" b="1"/>
+            <a:lvl2pPr marL="182880" indent="0">
+              <a:buNone/>
+              <a:defRPr sz="800" b="1"/>
             </a:lvl2pPr>
-            <a:lvl3pPr marL="914400" indent="0">
-              <a:buNone/>
-              <a:defRPr sz="1800" b="1"/>
+            <a:lvl3pPr marL="365760" indent="0">
+              <a:buNone/>
+              <a:defRPr sz="720" b="1"/>
             </a:lvl3pPr>
-            <a:lvl4pPr marL="1371600" indent="0">
-              <a:buNone/>
-              <a:defRPr sz="1600" b="1"/>
+            <a:lvl4pPr marL="548640" indent="0">
+              <a:buNone/>
+              <a:defRPr sz="640" b="1"/>
             </a:lvl4pPr>
-            <a:lvl5pPr marL="1828800" indent="0">
-              <a:buNone/>
-              <a:defRPr sz="1600" b="1"/>
+            <a:lvl5pPr marL="731520" indent="0">
+              <a:buNone/>
+              <a:defRPr sz="640" b="1"/>
             </a:lvl5pPr>
-            <a:lvl6pPr marL="2286000" indent="0">
-              <a:buNone/>
-              <a:defRPr sz="1600" b="1"/>
+            <a:lvl6pPr marL="914400" indent="0">
+              <a:buNone/>
+              <a:defRPr sz="640" b="1"/>
             </a:lvl6pPr>
-            <a:lvl7pPr marL="2743200" indent="0">
-              <a:buNone/>
-              <a:defRPr sz="1600" b="1"/>
+            <a:lvl7pPr marL="1097280" indent="0">
+              <a:buNone/>
+              <a:defRPr sz="640" b="1"/>
             </a:lvl7pPr>
-            <a:lvl8pPr marL="3200400" indent="0">
-              <a:buNone/>
-              <a:defRPr sz="1600" b="1"/>
+            <a:lvl8pPr marL="1280160" indent="0">
+              <a:buNone/>
+              <a:defRPr sz="640" b="1"/>
             </a:lvl8pPr>
-            <a:lvl9pPr marL="3657600" indent="0">
-              <a:buNone/>
-              <a:defRPr sz="1600" b="1"/>
+            <a:lvl9pPr marL="1463040" indent="0">
+              <a:buNone/>
+              <a:defRPr sz="640" b="1"/>
             </a:lvl9pPr>
           </a:lstStyle>
           <a:p>
@@ -1727,13 +1536,7 @@
       </p:sp>
       <p:sp>
         <p:nvSpPr>
-          <p:cNvPr id="6" name="Content Placeholder 5">
-            <a:extLst>
-              <a:ext uri="{FF2B5EF4-FFF2-40B4-BE49-F238E27FC236}">
-                <a16:creationId xmlns:a16="http://schemas.microsoft.com/office/drawing/2014/main" id="{1784DB85-4524-8C45-9F4C-ED2FB4EE231E}"/>
-              </a:ext>
-            </a:extLst>
-          </p:cNvPr>
+          <p:cNvPr id="6" name="Content Placeholder 5"/>
           <p:cNvSpPr>
             <a:spLocks noGrp="1"/>
           </p:cNvSpPr>
@@ -1743,8 +1546,8 @@
         </p:nvSpPr>
         <p:spPr>
           <a:xfrm>
-            <a:off x="6172200" y="2505075"/>
-            <a:ext cx="5183188" cy="3684588"/>
+            <a:off x="13887450" y="1002030"/>
+            <a:ext cx="11662173" cy="1473835"/>
           </a:xfrm>
         </p:spPr>
         <p:txBody>
@@ -1784,18 +1587,13 @@
               <a:rPr lang="en-US"/>
               <a:t>Fifth level</a:t>
             </a:r>
-          </a:p>
-        </p:txBody>
-      </p:sp>
-      <p:sp>
-        <p:nvSpPr>
-          <p:cNvPr id="7" name="Date Placeholder 6">
-            <a:extLst>
-              <a:ext uri="{FF2B5EF4-FFF2-40B4-BE49-F238E27FC236}">
-                <a16:creationId xmlns:a16="http://schemas.microsoft.com/office/drawing/2014/main" id="{1D094ACA-86EE-0A4A-8BFC-14BCC1858618}"/>
-              </a:ext>
-            </a:extLst>
-          </p:cNvPr>
+            <a:endParaRPr lang="en-US" dirty="0"/>
+          </a:p>
+        </p:txBody>
+      </p:sp>
+      <p:sp>
+        <p:nvSpPr>
+          <p:cNvPr id="7" name="Date Placeholder 6"/>
           <p:cNvSpPr>
             <a:spLocks noGrp="1"/>
           </p:cNvSpPr>
@@ -1818,13 +1616,7 @@
       </p:sp>
       <p:sp>
         <p:nvSpPr>
-          <p:cNvPr id="8" name="Footer Placeholder 7">
-            <a:extLst>
-              <a:ext uri="{FF2B5EF4-FFF2-40B4-BE49-F238E27FC236}">
-                <a16:creationId xmlns:a16="http://schemas.microsoft.com/office/drawing/2014/main" id="{E51C03D5-1DB5-B34C-AC86-EFE6747D7F19}"/>
-              </a:ext>
-            </a:extLst>
-          </p:cNvPr>
+          <p:cNvPr id="8" name="Footer Placeholder 7"/>
           <p:cNvSpPr>
             <a:spLocks noGrp="1"/>
           </p:cNvSpPr>
@@ -1843,13 +1635,7 @@
       </p:sp>
       <p:sp>
         <p:nvSpPr>
-          <p:cNvPr id="9" name="Slide Number Placeholder 8">
-            <a:extLst>
-              <a:ext uri="{FF2B5EF4-FFF2-40B4-BE49-F238E27FC236}">
-                <a16:creationId xmlns:a16="http://schemas.microsoft.com/office/drawing/2014/main" id="{EF401A86-6228-694A-9FC3-659B95A47505}"/>
-              </a:ext>
-            </a:extLst>
-          </p:cNvPr>
+          <p:cNvPr id="9" name="Slide Number Placeholder 8"/>
           <p:cNvSpPr>
             <a:spLocks noGrp="1"/>
           </p:cNvSpPr>
@@ -1873,7 +1659,7 @@
     </p:spTree>
     <p:extLst>
       <p:ext uri="{BB962C8B-B14F-4D97-AF65-F5344CB8AC3E}">
-        <p14:creationId xmlns:p14="http://schemas.microsoft.com/office/powerpoint/2010/main" val="3869685724"/>
+        <p14:creationId xmlns:p14="http://schemas.microsoft.com/office/powerpoint/2010/main" val="4245307167"/>
       </p:ext>
     </p:extLst>
   </p:cSld>
@@ -1902,13 +1688,7 @@
       </p:grpSpPr>
       <p:sp>
         <p:nvSpPr>
-          <p:cNvPr id="2" name="Title 1">
-            <a:extLst>
-              <a:ext uri="{FF2B5EF4-FFF2-40B4-BE49-F238E27FC236}">
-                <a16:creationId xmlns:a16="http://schemas.microsoft.com/office/drawing/2014/main" id="{8608C885-7740-0B43-861C-A55BF0DCFDEC}"/>
-              </a:ext>
-            </a:extLst>
-          </p:cNvPr>
+          <p:cNvPr id="2" name="Title 1"/>
           <p:cNvSpPr>
             <a:spLocks noGrp="1"/>
           </p:cNvSpPr>
@@ -1925,18 +1705,13 @@
               <a:rPr lang="en-US"/>
               <a:t>Click to edit Master title style</a:t>
             </a:r>
-          </a:p>
-        </p:txBody>
-      </p:sp>
-      <p:sp>
-        <p:nvSpPr>
-          <p:cNvPr id="3" name="Date Placeholder 2">
-            <a:extLst>
-              <a:ext uri="{FF2B5EF4-FFF2-40B4-BE49-F238E27FC236}">
-                <a16:creationId xmlns:a16="http://schemas.microsoft.com/office/drawing/2014/main" id="{E2C55E71-C9FA-E348-8F5B-E29CED3A2F12}"/>
-              </a:ext>
-            </a:extLst>
-          </p:cNvPr>
+            <a:endParaRPr lang="en-US" dirty="0"/>
+          </a:p>
+        </p:txBody>
+      </p:sp>
+      <p:sp>
+        <p:nvSpPr>
+          <p:cNvPr id="3" name="Date Placeholder 2"/>
           <p:cNvSpPr>
             <a:spLocks noGrp="1"/>
           </p:cNvSpPr>
@@ -1959,13 +1734,7 @@
       </p:sp>
       <p:sp>
         <p:nvSpPr>
-          <p:cNvPr id="4" name="Footer Placeholder 3">
-            <a:extLst>
-              <a:ext uri="{FF2B5EF4-FFF2-40B4-BE49-F238E27FC236}">
-                <a16:creationId xmlns:a16="http://schemas.microsoft.com/office/drawing/2014/main" id="{E3C1B637-8A0B-4B4C-B820-0C2AA23A2301}"/>
-              </a:ext>
-            </a:extLst>
-          </p:cNvPr>
+          <p:cNvPr id="4" name="Footer Placeholder 3"/>
           <p:cNvSpPr>
             <a:spLocks noGrp="1"/>
           </p:cNvSpPr>
@@ -1984,13 +1753,7 @@
       </p:sp>
       <p:sp>
         <p:nvSpPr>
-          <p:cNvPr id="5" name="Slide Number Placeholder 4">
-            <a:extLst>
-              <a:ext uri="{FF2B5EF4-FFF2-40B4-BE49-F238E27FC236}">
-                <a16:creationId xmlns:a16="http://schemas.microsoft.com/office/drawing/2014/main" id="{53388BFF-044F-8A4F-8510-FCE2216636A7}"/>
-              </a:ext>
-            </a:extLst>
-          </p:cNvPr>
+          <p:cNvPr id="5" name="Slide Number Placeholder 4"/>
           <p:cNvSpPr>
             <a:spLocks noGrp="1"/>
           </p:cNvSpPr>
@@ -2014,7 +1777,7 @@
     </p:spTree>
     <p:extLst>
       <p:ext uri="{BB962C8B-B14F-4D97-AF65-F5344CB8AC3E}">
-        <p14:creationId xmlns:p14="http://schemas.microsoft.com/office/powerpoint/2010/main" val="3531036071"/>
+        <p14:creationId xmlns:p14="http://schemas.microsoft.com/office/powerpoint/2010/main" val="2306461557"/>
       </p:ext>
     </p:extLst>
   </p:cSld>
@@ -2043,13 +1806,7 @@
       </p:grpSpPr>
       <p:sp>
         <p:nvSpPr>
-          <p:cNvPr id="2" name="Date Placeholder 1">
-            <a:extLst>
-              <a:ext uri="{FF2B5EF4-FFF2-40B4-BE49-F238E27FC236}">
-                <a16:creationId xmlns:a16="http://schemas.microsoft.com/office/drawing/2014/main" id="{CD8B37A6-F3AE-8541-8B45-47E1553A7141}"/>
-              </a:ext>
-            </a:extLst>
-          </p:cNvPr>
+          <p:cNvPr id="2" name="Date Placeholder 1"/>
           <p:cNvSpPr>
             <a:spLocks noGrp="1"/>
           </p:cNvSpPr>
@@ -2072,13 +1829,7 @@
       </p:sp>
       <p:sp>
         <p:nvSpPr>
-          <p:cNvPr id="3" name="Footer Placeholder 2">
-            <a:extLst>
-              <a:ext uri="{FF2B5EF4-FFF2-40B4-BE49-F238E27FC236}">
-                <a16:creationId xmlns:a16="http://schemas.microsoft.com/office/drawing/2014/main" id="{2F0199C0-2A1D-C248-AFC2-E168B487BE12}"/>
-              </a:ext>
-            </a:extLst>
-          </p:cNvPr>
+          <p:cNvPr id="3" name="Footer Placeholder 2"/>
           <p:cNvSpPr>
             <a:spLocks noGrp="1"/>
           </p:cNvSpPr>
@@ -2097,13 +1848,7 @@
       </p:sp>
       <p:sp>
         <p:nvSpPr>
-          <p:cNvPr id="4" name="Slide Number Placeholder 3">
-            <a:extLst>
-              <a:ext uri="{FF2B5EF4-FFF2-40B4-BE49-F238E27FC236}">
-                <a16:creationId xmlns:a16="http://schemas.microsoft.com/office/drawing/2014/main" id="{21B06D4A-7039-B94B-9627-E0C7F4B87024}"/>
-              </a:ext>
-            </a:extLst>
-          </p:cNvPr>
+          <p:cNvPr id="4" name="Slide Number Placeholder 3"/>
           <p:cNvSpPr>
             <a:spLocks noGrp="1"/>
           </p:cNvSpPr>
@@ -2127,7 +1872,7 @@
     </p:spTree>
     <p:extLst>
       <p:ext uri="{BB962C8B-B14F-4D97-AF65-F5344CB8AC3E}">
-        <p14:creationId xmlns:p14="http://schemas.microsoft.com/office/powerpoint/2010/main" val="391860750"/>
+        <p14:creationId xmlns:p14="http://schemas.microsoft.com/office/powerpoint/2010/main" val="3220928275"/>
       </p:ext>
     </p:extLst>
   </p:cSld>
@@ -2156,13 +1901,7 @@
       </p:grpSpPr>
       <p:sp>
         <p:nvSpPr>
-          <p:cNvPr id="2" name="Title 1">
-            <a:extLst>
-              <a:ext uri="{FF2B5EF4-FFF2-40B4-BE49-F238E27FC236}">
-                <a16:creationId xmlns:a16="http://schemas.microsoft.com/office/drawing/2014/main" id="{068C2B49-8999-974A-9E56-48B1DEFF2830}"/>
-              </a:ext>
-            </a:extLst>
-          </p:cNvPr>
+          <p:cNvPr id="2" name="Title 1"/>
           <p:cNvSpPr>
             <a:spLocks noGrp="1"/>
           </p:cNvSpPr>
@@ -2172,15 +1911,15 @@
         </p:nvSpPr>
         <p:spPr>
           <a:xfrm>
-            <a:off x="839788" y="457200"/>
-            <a:ext cx="3932237" cy="1600200"/>
+            <a:off x="1889524" y="182880"/>
+            <a:ext cx="8847533" cy="640080"/>
           </a:xfrm>
         </p:spPr>
         <p:txBody>
           <a:bodyPr anchor="b"/>
           <a:lstStyle>
             <a:lvl1pPr>
-              <a:defRPr sz="3200"/>
+              <a:defRPr sz="1280"/>
             </a:lvl1pPr>
           </a:lstStyle>
           <a:p>
@@ -2188,18 +1927,13 @@
               <a:rPr lang="en-US"/>
               <a:t>Click to edit Master title style</a:t>
             </a:r>
-          </a:p>
-        </p:txBody>
-      </p:sp>
-      <p:sp>
-        <p:nvSpPr>
-          <p:cNvPr id="3" name="Content Placeholder 2">
-            <a:extLst>
-              <a:ext uri="{FF2B5EF4-FFF2-40B4-BE49-F238E27FC236}">
-                <a16:creationId xmlns:a16="http://schemas.microsoft.com/office/drawing/2014/main" id="{31D823F4-C3EA-D249-9B84-E37A1453E127}"/>
-              </a:ext>
-            </a:extLst>
-          </p:cNvPr>
+            <a:endParaRPr lang="en-US" dirty="0"/>
+          </a:p>
+        </p:txBody>
+      </p:sp>
+      <p:sp>
+        <p:nvSpPr>
+          <p:cNvPr id="3" name="Content Placeholder 2"/>
           <p:cNvSpPr>
             <a:spLocks noGrp="1"/>
           </p:cNvSpPr>
@@ -2209,39 +1943,39 @@
         </p:nvSpPr>
         <p:spPr>
           <a:xfrm>
-            <a:off x="5183188" y="987425"/>
-            <a:ext cx="6172200" cy="4873625"/>
+            <a:off x="11662173" y="394970"/>
+            <a:ext cx="13887450" cy="1949450"/>
           </a:xfrm>
         </p:spPr>
         <p:txBody>
           <a:bodyPr/>
           <a:lstStyle>
             <a:lvl1pPr>
-              <a:defRPr sz="3200"/>
+              <a:defRPr sz="1280"/>
             </a:lvl1pPr>
             <a:lvl2pPr>
-              <a:defRPr sz="2800"/>
+              <a:defRPr sz="1120"/>
             </a:lvl2pPr>
             <a:lvl3pPr>
-              <a:defRPr sz="2400"/>
+              <a:defRPr sz="960"/>
             </a:lvl3pPr>
             <a:lvl4pPr>
-              <a:defRPr sz="2000"/>
+              <a:defRPr sz="800"/>
             </a:lvl4pPr>
             <a:lvl5pPr>
-              <a:defRPr sz="2000"/>
+              <a:defRPr sz="800"/>
             </a:lvl5pPr>
             <a:lvl6pPr>
-              <a:defRPr sz="2000"/>
+              <a:defRPr sz="800"/>
             </a:lvl6pPr>
             <a:lvl7pPr>
-              <a:defRPr sz="2000"/>
+              <a:defRPr sz="800"/>
             </a:lvl7pPr>
             <a:lvl8pPr>
-              <a:defRPr sz="2000"/>
+              <a:defRPr sz="800"/>
             </a:lvl8pPr>
             <a:lvl9pPr>
-              <a:defRPr sz="2000"/>
+              <a:defRPr sz="800"/>
             </a:lvl9pPr>
           </a:lstStyle>
           <a:p>
@@ -2278,18 +2012,13 @@
               <a:rPr lang="en-US"/>
               <a:t>Fifth level</a:t>
             </a:r>
-          </a:p>
-        </p:txBody>
-      </p:sp>
-      <p:sp>
-        <p:nvSpPr>
-          <p:cNvPr id="4" name="Text Placeholder 3">
-            <a:extLst>
-              <a:ext uri="{FF2B5EF4-FFF2-40B4-BE49-F238E27FC236}">
-                <a16:creationId xmlns:a16="http://schemas.microsoft.com/office/drawing/2014/main" id="{B8492126-7FF1-C641-962F-31E7FFAEC287}"/>
-              </a:ext>
-            </a:extLst>
-          </p:cNvPr>
+            <a:endParaRPr lang="en-US" dirty="0"/>
+          </a:p>
+        </p:txBody>
+      </p:sp>
+      <p:sp>
+        <p:nvSpPr>
+          <p:cNvPr id="4" name="Text Placeholder 3"/>
           <p:cNvSpPr>
             <a:spLocks noGrp="1"/>
           </p:cNvSpPr>
@@ -2299,8 +2028,8 @@
         </p:nvSpPr>
         <p:spPr>
           <a:xfrm>
-            <a:off x="839788" y="2057400"/>
-            <a:ext cx="3932237" cy="3811588"/>
+            <a:off x="1889524" y="822960"/>
+            <a:ext cx="8847533" cy="1524635"/>
           </a:xfrm>
         </p:spPr>
         <p:txBody>
@@ -2308,39 +2037,39 @@
           <a:lstStyle>
             <a:lvl1pPr marL="0" indent="0">
               <a:buNone/>
-              <a:defRPr sz="1600"/>
+              <a:defRPr sz="640"/>
             </a:lvl1pPr>
-            <a:lvl2pPr marL="457200" indent="0">
-              <a:buNone/>
-              <a:defRPr sz="1400"/>
+            <a:lvl2pPr marL="182880" indent="0">
+              <a:buNone/>
+              <a:defRPr sz="560"/>
             </a:lvl2pPr>
-            <a:lvl3pPr marL="914400" indent="0">
-              <a:buNone/>
-              <a:defRPr sz="1200"/>
+            <a:lvl3pPr marL="365760" indent="0">
+              <a:buNone/>
+              <a:defRPr sz="480"/>
             </a:lvl3pPr>
-            <a:lvl4pPr marL="1371600" indent="0">
-              <a:buNone/>
-              <a:defRPr sz="1000"/>
+            <a:lvl4pPr marL="548640" indent="0">
+              <a:buNone/>
+              <a:defRPr sz="400"/>
             </a:lvl4pPr>
-            <a:lvl5pPr marL="1828800" indent="0">
-              <a:buNone/>
-              <a:defRPr sz="1000"/>
+            <a:lvl5pPr marL="731520" indent="0">
+              <a:buNone/>
+              <a:defRPr sz="400"/>
             </a:lvl5pPr>
-            <a:lvl6pPr marL="2286000" indent="0">
-              <a:buNone/>
-              <a:defRPr sz="1000"/>
+            <a:lvl6pPr marL="914400" indent="0">
+              <a:buNone/>
+              <a:defRPr sz="400"/>
             </a:lvl6pPr>
-            <a:lvl7pPr marL="2743200" indent="0">
-              <a:buNone/>
-              <a:defRPr sz="1000"/>
+            <a:lvl7pPr marL="1097280" indent="0">
+              <a:buNone/>
+              <a:defRPr sz="400"/>
             </a:lvl7pPr>
-            <a:lvl8pPr marL="3200400" indent="0">
-              <a:buNone/>
-              <a:defRPr sz="1000"/>
+            <a:lvl8pPr marL="1280160" indent="0">
+              <a:buNone/>
+              <a:defRPr sz="400"/>
             </a:lvl8pPr>
-            <a:lvl9pPr marL="3657600" indent="0">
-              <a:buNone/>
-              <a:defRPr sz="1000"/>
+            <a:lvl9pPr marL="1463040" indent="0">
+              <a:buNone/>
+              <a:defRPr sz="400"/>
             </a:lvl9pPr>
           </a:lstStyle>
           <a:p>
@@ -2354,13 +2083,7 @@
       </p:sp>
       <p:sp>
         <p:nvSpPr>
-          <p:cNvPr id="5" name="Date Placeholder 4">
-            <a:extLst>
-              <a:ext uri="{FF2B5EF4-FFF2-40B4-BE49-F238E27FC236}">
-                <a16:creationId xmlns:a16="http://schemas.microsoft.com/office/drawing/2014/main" id="{68D64A67-7ECB-9D46-8CDB-822A2DA430D3}"/>
-              </a:ext>
-            </a:extLst>
-          </p:cNvPr>
+          <p:cNvPr id="5" name="Date Placeholder 4"/>
           <p:cNvSpPr>
             <a:spLocks noGrp="1"/>
           </p:cNvSpPr>
@@ -2383,13 +2106,7 @@
       </p:sp>
       <p:sp>
         <p:nvSpPr>
-          <p:cNvPr id="6" name="Footer Placeholder 5">
-            <a:extLst>
-              <a:ext uri="{FF2B5EF4-FFF2-40B4-BE49-F238E27FC236}">
-                <a16:creationId xmlns:a16="http://schemas.microsoft.com/office/drawing/2014/main" id="{7E782DAC-DF59-434B-844D-997885E38F3A}"/>
-              </a:ext>
-            </a:extLst>
-          </p:cNvPr>
+          <p:cNvPr id="6" name="Footer Placeholder 5"/>
           <p:cNvSpPr>
             <a:spLocks noGrp="1"/>
           </p:cNvSpPr>
@@ -2408,13 +2125,7 @@
       </p:sp>
       <p:sp>
         <p:nvSpPr>
-          <p:cNvPr id="7" name="Slide Number Placeholder 6">
-            <a:extLst>
-              <a:ext uri="{FF2B5EF4-FFF2-40B4-BE49-F238E27FC236}">
-                <a16:creationId xmlns:a16="http://schemas.microsoft.com/office/drawing/2014/main" id="{2E5AF603-653D-164F-86D4-B6FB93DDFBA2}"/>
-              </a:ext>
-            </a:extLst>
-          </p:cNvPr>
+          <p:cNvPr id="7" name="Slide Number Placeholder 6"/>
           <p:cNvSpPr>
             <a:spLocks noGrp="1"/>
           </p:cNvSpPr>
@@ -2438,7 +2149,7 @@
     </p:spTree>
     <p:extLst>
       <p:ext uri="{BB962C8B-B14F-4D97-AF65-F5344CB8AC3E}">
-        <p14:creationId xmlns:p14="http://schemas.microsoft.com/office/powerpoint/2010/main" val="4162678809"/>
+        <p14:creationId xmlns:p14="http://schemas.microsoft.com/office/powerpoint/2010/main" val="3907111492"/>
       </p:ext>
     </p:extLst>
   </p:cSld>
@@ -2467,13 +2178,7 @@
       </p:grpSpPr>
       <p:sp>
         <p:nvSpPr>
-          <p:cNvPr id="2" name="Title 1">
-            <a:extLst>
-              <a:ext uri="{FF2B5EF4-FFF2-40B4-BE49-F238E27FC236}">
-                <a16:creationId xmlns:a16="http://schemas.microsoft.com/office/drawing/2014/main" id="{4D0D5541-17D7-5142-A569-8391BE27AF5C}"/>
-              </a:ext>
-            </a:extLst>
-          </p:cNvPr>
+          <p:cNvPr id="2" name="Title 1"/>
           <p:cNvSpPr>
             <a:spLocks noGrp="1"/>
           </p:cNvSpPr>
@@ -2483,15 +2188,15 @@
         </p:nvSpPr>
         <p:spPr>
           <a:xfrm>
-            <a:off x="839788" y="457200"/>
-            <a:ext cx="3932237" cy="1600200"/>
+            <a:off x="1889524" y="182880"/>
+            <a:ext cx="8847533" cy="640080"/>
           </a:xfrm>
         </p:spPr>
         <p:txBody>
           <a:bodyPr anchor="b"/>
           <a:lstStyle>
             <a:lvl1pPr>
-              <a:defRPr sz="3200"/>
+              <a:defRPr sz="1280"/>
             </a:lvl1pPr>
           </a:lstStyle>
           <a:p>
@@ -2499,20 +2204,15 @@
               <a:rPr lang="en-US"/>
               <a:t>Click to edit Master title style</a:t>
             </a:r>
-          </a:p>
-        </p:txBody>
-      </p:sp>
-      <p:sp>
-        <p:nvSpPr>
-          <p:cNvPr id="3" name="Picture Placeholder 2">
-            <a:extLst>
-              <a:ext uri="{FF2B5EF4-FFF2-40B4-BE49-F238E27FC236}">
-                <a16:creationId xmlns:a16="http://schemas.microsoft.com/office/drawing/2014/main" id="{68847154-536D-B848-BD09-9CF1C2FFE662}"/>
-              </a:ext>
-            </a:extLst>
-          </p:cNvPr>
-          <p:cNvSpPr>
-            <a:spLocks noGrp="1"/>
+            <a:endParaRPr lang="en-US" dirty="0"/>
+          </a:p>
+        </p:txBody>
+      </p:sp>
+      <p:sp>
+        <p:nvSpPr>
+          <p:cNvPr id="3" name="Picture Placeholder 2"/>
+          <p:cNvSpPr>
+            <a:spLocks noGrp="1" noChangeAspect="1"/>
           </p:cNvSpPr>
           <p:nvPr>
             <p:ph type="pic" idx="1"/>
@@ -2520,64 +2220,62 @@
         </p:nvSpPr>
         <p:spPr>
           <a:xfrm>
-            <a:off x="5183188" y="987425"/>
-            <a:ext cx="6172200" cy="4873625"/>
+            <a:off x="11662173" y="394970"/>
+            <a:ext cx="13887450" cy="1949450"/>
           </a:xfrm>
         </p:spPr>
         <p:txBody>
-          <a:bodyPr/>
+          <a:bodyPr anchor="t"/>
           <a:lstStyle>
             <a:lvl1pPr marL="0" indent="0">
               <a:buNone/>
-              <a:defRPr sz="3200"/>
+              <a:defRPr sz="1280"/>
             </a:lvl1pPr>
-            <a:lvl2pPr marL="457200" indent="0">
-              <a:buNone/>
-              <a:defRPr sz="2800"/>
+            <a:lvl2pPr marL="182880" indent="0">
+              <a:buNone/>
+              <a:defRPr sz="1120"/>
             </a:lvl2pPr>
-            <a:lvl3pPr marL="914400" indent="0">
-              <a:buNone/>
-              <a:defRPr sz="2400"/>
+            <a:lvl3pPr marL="365760" indent="0">
+              <a:buNone/>
+              <a:defRPr sz="960"/>
             </a:lvl3pPr>
-            <a:lvl4pPr marL="1371600" indent="0">
-              <a:buNone/>
-              <a:defRPr sz="2000"/>
+            <a:lvl4pPr marL="548640" indent="0">
+              <a:buNone/>
+              <a:defRPr sz="800"/>
             </a:lvl4pPr>
-            <a:lvl5pPr marL="1828800" indent="0">
-              <a:buNone/>
-              <a:defRPr sz="2000"/>
+            <a:lvl5pPr marL="731520" indent="0">
+              <a:buNone/>
+              <a:defRPr sz="800"/>
             </a:lvl5pPr>
-            <a:lvl6pPr marL="2286000" indent="0">
-              <a:buNone/>
-              <a:defRPr sz="2000"/>
+            <a:lvl6pPr marL="914400" indent="0">
+              <a:buNone/>
+              <a:defRPr sz="800"/>
             </a:lvl6pPr>
-            <a:lvl7pPr marL="2743200" indent="0">
-              <a:buNone/>
-              <a:defRPr sz="2000"/>
+            <a:lvl7pPr marL="1097280" indent="0">
+              <a:buNone/>
+              <a:defRPr sz="800"/>
             </a:lvl7pPr>
-            <a:lvl8pPr marL="3200400" indent="0">
-              <a:buNone/>
-              <a:defRPr sz="2000"/>
+            <a:lvl8pPr marL="1280160" indent="0">
+              <a:buNone/>
+              <a:defRPr sz="800"/>
             </a:lvl8pPr>
-            <a:lvl9pPr marL="3657600" indent="0">
-              <a:buNone/>
-              <a:defRPr sz="2000"/>
+            <a:lvl9pPr marL="1463040" indent="0">
+              <a:buNone/>
+              <a:defRPr sz="800"/>
             </a:lvl9pPr>
           </a:lstStyle>
           <a:p>
-            <a:endParaRPr lang="en-US"/>
-          </a:p>
-        </p:txBody>
-      </p:sp>
-      <p:sp>
-        <p:nvSpPr>
-          <p:cNvPr id="4" name="Text Placeholder 3">
-            <a:extLst>
-              <a:ext uri="{FF2B5EF4-FFF2-40B4-BE49-F238E27FC236}">
-                <a16:creationId xmlns:a16="http://schemas.microsoft.com/office/drawing/2014/main" id="{523C0927-C593-B543-B650-F0E327B4F3B0}"/>
-              </a:ext>
-            </a:extLst>
-          </p:cNvPr>
+            <a:r>
+              <a:rPr lang="en-US"/>
+              <a:t>Click icon to add picture</a:t>
+            </a:r>
+            <a:endParaRPr lang="en-US" dirty="0"/>
+          </a:p>
+        </p:txBody>
+      </p:sp>
+      <p:sp>
+        <p:nvSpPr>
+          <p:cNvPr id="4" name="Text Placeholder 3"/>
           <p:cNvSpPr>
             <a:spLocks noGrp="1"/>
           </p:cNvSpPr>
@@ -2587,8 +2285,8 @@
         </p:nvSpPr>
         <p:spPr>
           <a:xfrm>
-            <a:off x="839788" y="2057400"/>
-            <a:ext cx="3932237" cy="3811588"/>
+            <a:off x="1889524" y="822960"/>
+            <a:ext cx="8847533" cy="1524635"/>
           </a:xfrm>
         </p:spPr>
         <p:txBody>
@@ -2596,39 +2294,39 @@
           <a:lstStyle>
             <a:lvl1pPr marL="0" indent="0">
               <a:buNone/>
-              <a:defRPr sz="1600"/>
+              <a:defRPr sz="640"/>
             </a:lvl1pPr>
-            <a:lvl2pPr marL="457200" indent="0">
-              <a:buNone/>
-              <a:defRPr sz="1400"/>
+            <a:lvl2pPr marL="182880" indent="0">
+              <a:buNone/>
+              <a:defRPr sz="560"/>
             </a:lvl2pPr>
-            <a:lvl3pPr marL="914400" indent="0">
-              <a:buNone/>
-              <a:defRPr sz="1200"/>
+            <a:lvl3pPr marL="365760" indent="0">
+              <a:buNone/>
+              <a:defRPr sz="480"/>
             </a:lvl3pPr>
-            <a:lvl4pPr marL="1371600" indent="0">
-              <a:buNone/>
-              <a:defRPr sz="1000"/>
+            <a:lvl4pPr marL="548640" indent="0">
+              <a:buNone/>
+              <a:defRPr sz="400"/>
             </a:lvl4pPr>
-            <a:lvl5pPr marL="1828800" indent="0">
-              <a:buNone/>
-              <a:defRPr sz="1000"/>
+            <a:lvl5pPr marL="731520" indent="0">
+              <a:buNone/>
+              <a:defRPr sz="400"/>
             </a:lvl5pPr>
-            <a:lvl6pPr marL="2286000" indent="0">
-              <a:buNone/>
-              <a:defRPr sz="1000"/>
+            <a:lvl6pPr marL="914400" indent="0">
+              <a:buNone/>
+              <a:defRPr sz="400"/>
             </a:lvl6pPr>
-            <a:lvl7pPr marL="2743200" indent="0">
-              <a:buNone/>
-              <a:defRPr sz="1000"/>
+            <a:lvl7pPr marL="1097280" indent="0">
+              <a:buNone/>
+              <a:defRPr sz="400"/>
             </a:lvl7pPr>
-            <a:lvl8pPr marL="3200400" indent="0">
-              <a:buNone/>
-              <a:defRPr sz="1000"/>
+            <a:lvl8pPr marL="1280160" indent="0">
+              <a:buNone/>
+              <a:defRPr sz="400"/>
             </a:lvl8pPr>
-            <a:lvl9pPr marL="3657600" indent="0">
-              <a:buNone/>
-              <a:defRPr sz="1000"/>
+            <a:lvl9pPr marL="1463040" indent="0">
+              <a:buNone/>
+              <a:defRPr sz="400"/>
             </a:lvl9pPr>
           </a:lstStyle>
           <a:p>
@@ -2642,13 +2340,7 @@
       </p:sp>
       <p:sp>
         <p:nvSpPr>
-          <p:cNvPr id="5" name="Date Placeholder 4">
-            <a:extLst>
-              <a:ext uri="{FF2B5EF4-FFF2-40B4-BE49-F238E27FC236}">
-                <a16:creationId xmlns:a16="http://schemas.microsoft.com/office/drawing/2014/main" id="{C934CDA6-8D14-1748-9C73-327F82728A80}"/>
-              </a:ext>
-            </a:extLst>
-          </p:cNvPr>
+          <p:cNvPr id="5" name="Date Placeholder 4"/>
           <p:cNvSpPr>
             <a:spLocks noGrp="1"/>
           </p:cNvSpPr>
@@ -2671,13 +2363,7 @@
       </p:sp>
       <p:sp>
         <p:nvSpPr>
-          <p:cNvPr id="6" name="Footer Placeholder 5">
-            <a:extLst>
-              <a:ext uri="{FF2B5EF4-FFF2-40B4-BE49-F238E27FC236}">
-                <a16:creationId xmlns:a16="http://schemas.microsoft.com/office/drawing/2014/main" id="{368EA778-B60E-C540-A287-9178D456262C}"/>
-              </a:ext>
-            </a:extLst>
-          </p:cNvPr>
+          <p:cNvPr id="6" name="Footer Placeholder 5"/>
           <p:cNvSpPr>
             <a:spLocks noGrp="1"/>
           </p:cNvSpPr>
@@ -2696,13 +2382,7 @@
       </p:sp>
       <p:sp>
         <p:nvSpPr>
-          <p:cNvPr id="7" name="Slide Number Placeholder 6">
-            <a:extLst>
-              <a:ext uri="{FF2B5EF4-FFF2-40B4-BE49-F238E27FC236}">
-                <a16:creationId xmlns:a16="http://schemas.microsoft.com/office/drawing/2014/main" id="{81F53338-BD63-9746-9639-836D596AC1D5}"/>
-              </a:ext>
-            </a:extLst>
-          </p:cNvPr>
+          <p:cNvPr id="7" name="Slide Number Placeholder 6"/>
           <p:cNvSpPr>
             <a:spLocks noGrp="1"/>
           </p:cNvSpPr>
@@ -2726,7 +2406,7 @@
     </p:spTree>
     <p:extLst>
       <p:ext uri="{BB962C8B-B14F-4D97-AF65-F5344CB8AC3E}">
-        <p14:creationId xmlns:p14="http://schemas.microsoft.com/office/powerpoint/2010/main" val="2989451975"/>
+        <p14:creationId xmlns:p14="http://schemas.microsoft.com/office/powerpoint/2010/main" val="409201202"/>
       </p:ext>
     </p:extLst>
   </p:cSld>
@@ -2760,13 +2440,7 @@
       </p:grpSpPr>
       <p:sp>
         <p:nvSpPr>
-          <p:cNvPr id="2" name="Title Placeholder 1">
-            <a:extLst>
-              <a:ext uri="{FF2B5EF4-FFF2-40B4-BE49-F238E27FC236}">
-                <a16:creationId xmlns:a16="http://schemas.microsoft.com/office/drawing/2014/main" id="{C69E1B0E-81D2-1D49-BA02-26EC149B341E}"/>
-              </a:ext>
-            </a:extLst>
-          </p:cNvPr>
+          <p:cNvPr id="2" name="Title Placeholder 1"/>
           <p:cNvSpPr>
             <a:spLocks noGrp="1"/>
           </p:cNvSpPr>
@@ -2776,8 +2450,8 @@
         </p:nvSpPr>
         <p:spPr>
           <a:xfrm>
-            <a:off x="838200" y="365125"/>
-            <a:ext cx="10515600" cy="1325563"/>
+            <a:off x="1885950" y="146050"/>
+            <a:ext cx="23660100" cy="530225"/>
           </a:xfrm>
           <a:prstGeom prst="rect">
             <a:avLst/>
@@ -2793,18 +2467,13 @@
               <a:rPr lang="en-US"/>
               <a:t>Click to edit Master title style</a:t>
             </a:r>
-          </a:p>
-        </p:txBody>
-      </p:sp>
-      <p:sp>
-        <p:nvSpPr>
-          <p:cNvPr id="3" name="Text Placeholder 2">
-            <a:extLst>
-              <a:ext uri="{FF2B5EF4-FFF2-40B4-BE49-F238E27FC236}">
-                <a16:creationId xmlns:a16="http://schemas.microsoft.com/office/drawing/2014/main" id="{D883D6D8-2838-9044-8122-EE5460BB6887}"/>
-              </a:ext>
-            </a:extLst>
-          </p:cNvPr>
+            <a:endParaRPr lang="en-US" dirty="0"/>
+          </a:p>
+        </p:txBody>
+      </p:sp>
+      <p:sp>
+        <p:nvSpPr>
+          <p:cNvPr id="3" name="Text Placeholder 2"/>
           <p:cNvSpPr>
             <a:spLocks noGrp="1"/>
           </p:cNvSpPr>
@@ -2814,8 +2483,8 @@
         </p:nvSpPr>
         <p:spPr>
           <a:xfrm>
-            <a:off x="838200" y="1825625"/>
-            <a:ext cx="10515600" cy="4351338"/>
+            <a:off x="1885950" y="730250"/>
+            <a:ext cx="23660100" cy="1740535"/>
           </a:xfrm>
           <a:prstGeom prst="rect">
             <a:avLst/>
@@ -2860,18 +2529,13 @@
               <a:rPr lang="en-US"/>
               <a:t>Fifth level</a:t>
             </a:r>
-          </a:p>
-        </p:txBody>
-      </p:sp>
-      <p:sp>
-        <p:nvSpPr>
-          <p:cNvPr id="4" name="Date Placeholder 3">
-            <a:extLst>
-              <a:ext uri="{FF2B5EF4-FFF2-40B4-BE49-F238E27FC236}">
-                <a16:creationId xmlns:a16="http://schemas.microsoft.com/office/drawing/2014/main" id="{B3A2C79F-6CD2-D241-BF99-1B12692770DD}"/>
-              </a:ext>
-            </a:extLst>
-          </p:cNvPr>
+            <a:endParaRPr lang="en-US" dirty="0"/>
+          </a:p>
+        </p:txBody>
+      </p:sp>
+      <p:sp>
+        <p:nvSpPr>
+          <p:cNvPr id="4" name="Date Placeholder 3"/>
           <p:cNvSpPr>
             <a:spLocks noGrp="1"/>
           </p:cNvSpPr>
@@ -2881,8 +2545,8 @@
         </p:nvSpPr>
         <p:spPr>
           <a:xfrm>
-            <a:off x="838200" y="6356350"/>
-            <a:ext cx="2743200" cy="365125"/>
+            <a:off x="1885950" y="2542540"/>
+            <a:ext cx="6172200" cy="146050"/>
           </a:xfrm>
           <a:prstGeom prst="rect">
             <a:avLst/>
@@ -2892,7 +2556,7 @@
           <a:bodyPr vert="horz" lIns="91440" tIns="45720" rIns="91440" bIns="45720" rtlCol="0" anchor="ctr"/>
           <a:lstStyle>
             <a:lvl1pPr algn="l">
-              <a:defRPr sz="1200">
+              <a:defRPr sz="480">
                 <a:solidFill>
                   <a:schemeClr val="tx1">
                     <a:tint val="75000"/>
@@ -2912,13 +2576,7 @@
       </p:sp>
       <p:sp>
         <p:nvSpPr>
-          <p:cNvPr id="5" name="Footer Placeholder 4">
-            <a:extLst>
-              <a:ext uri="{FF2B5EF4-FFF2-40B4-BE49-F238E27FC236}">
-                <a16:creationId xmlns:a16="http://schemas.microsoft.com/office/drawing/2014/main" id="{941755E3-AF30-E545-A8B7-9CC3E8F8B464}"/>
-              </a:ext>
-            </a:extLst>
-          </p:cNvPr>
+          <p:cNvPr id="5" name="Footer Placeholder 4"/>
           <p:cNvSpPr>
             <a:spLocks noGrp="1"/>
           </p:cNvSpPr>
@@ -2928,8 +2586,8 @@
         </p:nvSpPr>
         <p:spPr>
           <a:xfrm>
-            <a:off x="4038600" y="6356350"/>
-            <a:ext cx="4114800" cy="365125"/>
+            <a:off x="9086850" y="2542540"/>
+            <a:ext cx="9258300" cy="146050"/>
           </a:xfrm>
           <a:prstGeom prst="rect">
             <a:avLst/>
@@ -2939,7 +2597,7 @@
           <a:bodyPr vert="horz" lIns="91440" tIns="45720" rIns="91440" bIns="45720" rtlCol="0" anchor="ctr"/>
           <a:lstStyle>
             <a:lvl1pPr algn="ctr">
-              <a:defRPr sz="1200">
+              <a:defRPr sz="480">
                 <a:solidFill>
                   <a:schemeClr val="tx1">
                     <a:tint val="75000"/>
@@ -2955,13 +2613,7 @@
       </p:sp>
       <p:sp>
         <p:nvSpPr>
-          <p:cNvPr id="6" name="Slide Number Placeholder 5">
-            <a:extLst>
-              <a:ext uri="{FF2B5EF4-FFF2-40B4-BE49-F238E27FC236}">
-                <a16:creationId xmlns:a16="http://schemas.microsoft.com/office/drawing/2014/main" id="{6C6BFF1D-1D26-374B-A781-D90B2F133A1D}"/>
-              </a:ext>
-            </a:extLst>
-          </p:cNvPr>
+          <p:cNvPr id="6" name="Slide Number Placeholder 5"/>
           <p:cNvSpPr>
             <a:spLocks noGrp="1"/>
           </p:cNvSpPr>
@@ -2971,8 +2623,8 @@
         </p:nvSpPr>
         <p:spPr>
           <a:xfrm>
-            <a:off x="8610600" y="6356350"/>
-            <a:ext cx="2743200" cy="365125"/>
+            <a:off x="19373850" y="2542540"/>
+            <a:ext cx="6172200" cy="146050"/>
           </a:xfrm>
           <a:prstGeom prst="rect">
             <a:avLst/>
@@ -2982,7 +2634,7 @@
           <a:bodyPr vert="horz" lIns="91440" tIns="45720" rIns="91440" bIns="45720" rtlCol="0" anchor="ctr"/>
           <a:lstStyle>
             <a:lvl1pPr algn="r">
-              <a:defRPr sz="1200">
+              <a:defRPr sz="480">
                 <a:solidFill>
                   <a:schemeClr val="tx1">
                     <a:tint val="75000"/>
@@ -3003,27 +2655,27 @@
     </p:spTree>
     <p:extLst>
       <p:ext uri="{BB962C8B-B14F-4D97-AF65-F5344CB8AC3E}">
-        <p14:creationId xmlns:p14="http://schemas.microsoft.com/office/powerpoint/2010/main" val="3280146404"/>
+        <p14:creationId xmlns:p14="http://schemas.microsoft.com/office/powerpoint/2010/main" val="602826000"/>
       </p:ext>
     </p:extLst>
   </p:cSld>
   <p:clrMap bg1="lt1" tx1="dk1" bg2="lt2" tx2="dk2" accent1="accent1" accent2="accent2" accent3="accent3" accent4="accent4" accent5="accent5" accent6="accent6" hlink="hlink" folHlink="folHlink"/>
   <p:sldLayoutIdLst>
-    <p:sldLayoutId id="2147483649" r:id="rId1"/>
-    <p:sldLayoutId id="2147483650" r:id="rId2"/>
-    <p:sldLayoutId id="2147483651" r:id="rId3"/>
-    <p:sldLayoutId id="2147483652" r:id="rId4"/>
-    <p:sldLayoutId id="2147483653" r:id="rId5"/>
-    <p:sldLayoutId id="2147483654" r:id="rId6"/>
-    <p:sldLayoutId id="2147483655" r:id="rId7"/>
-    <p:sldLayoutId id="2147483656" r:id="rId8"/>
-    <p:sldLayoutId id="2147483657" r:id="rId9"/>
-    <p:sldLayoutId id="2147483658" r:id="rId10"/>
-    <p:sldLayoutId id="2147483659" r:id="rId11"/>
+    <p:sldLayoutId id="2147483673" r:id="rId1"/>
+    <p:sldLayoutId id="2147483674" r:id="rId2"/>
+    <p:sldLayoutId id="2147483675" r:id="rId3"/>
+    <p:sldLayoutId id="2147483676" r:id="rId4"/>
+    <p:sldLayoutId id="2147483677" r:id="rId5"/>
+    <p:sldLayoutId id="2147483678" r:id="rId6"/>
+    <p:sldLayoutId id="2147483679" r:id="rId7"/>
+    <p:sldLayoutId id="2147483680" r:id="rId8"/>
+    <p:sldLayoutId id="2147483681" r:id="rId9"/>
+    <p:sldLayoutId id="2147483682" r:id="rId10"/>
+    <p:sldLayoutId id="2147483683" r:id="rId11"/>
   </p:sldLayoutIdLst>
   <p:txStyles>
     <p:titleStyle>
-      <a:lvl1pPr algn="l" defTabSz="914400" rtl="0" eaLnBrk="1" latinLnBrk="0" hangingPunct="1">
+      <a:lvl1pPr algn="l" defTabSz="365760" rtl="0" eaLnBrk="1" latinLnBrk="0" hangingPunct="1">
         <a:lnSpc>
           <a:spcPct val="90000"/>
         </a:lnSpc>
@@ -3031,7 +2683,7 @@
           <a:spcPct val="0"/>
         </a:spcBef>
         <a:buNone/>
-        <a:defRPr sz="4400" kern="1200">
+        <a:defRPr sz="1760" kern="1200">
           <a:solidFill>
             <a:schemeClr val="tx1"/>
           </a:solidFill>
@@ -3042,16 +2694,16 @@
       </a:lvl1pPr>
     </p:titleStyle>
     <p:bodyStyle>
-      <a:lvl1pPr marL="228600" indent="-228600" algn="l" defTabSz="914400" rtl="0" eaLnBrk="1" latinLnBrk="0" hangingPunct="1">
+      <a:lvl1pPr marL="91440" indent="-91440" algn="l" defTabSz="365760" rtl="0" eaLnBrk="1" latinLnBrk="0" hangingPunct="1">
         <a:lnSpc>
           <a:spcPct val="90000"/>
         </a:lnSpc>
         <a:spcBef>
-          <a:spcPts val="1000"/>
+          <a:spcPts val="400"/>
         </a:spcBef>
         <a:buFont typeface="Arial" panose="020B0604020202020204" pitchFamily="34" charset="0"/>
         <a:buChar char="•"/>
-        <a:defRPr sz="2800" kern="1200">
+        <a:defRPr sz="1120" kern="1200">
           <a:solidFill>
             <a:schemeClr val="tx1"/>
           </a:solidFill>
@@ -3060,16 +2712,16 @@
           <a:cs typeface="+mn-cs"/>
         </a:defRPr>
       </a:lvl1pPr>
-      <a:lvl2pPr marL="685800" indent="-228600" algn="l" defTabSz="914400" rtl="0" eaLnBrk="1" latinLnBrk="0" hangingPunct="1">
+      <a:lvl2pPr marL="274320" indent="-91440" algn="l" defTabSz="365760" rtl="0" eaLnBrk="1" latinLnBrk="0" hangingPunct="1">
         <a:lnSpc>
           <a:spcPct val="90000"/>
         </a:lnSpc>
         <a:spcBef>
-          <a:spcPts val="500"/>
+          <a:spcPts val="200"/>
         </a:spcBef>
         <a:buFont typeface="Arial" panose="020B0604020202020204" pitchFamily="34" charset="0"/>
         <a:buChar char="•"/>
-        <a:defRPr sz="2400" kern="1200">
+        <a:defRPr sz="960" kern="1200">
           <a:solidFill>
             <a:schemeClr val="tx1"/>
           </a:solidFill>
@@ -3078,16 +2730,16 @@
           <a:cs typeface="+mn-cs"/>
         </a:defRPr>
       </a:lvl2pPr>
-      <a:lvl3pPr marL="1143000" indent="-228600" algn="l" defTabSz="914400" rtl="0" eaLnBrk="1" latinLnBrk="0" hangingPunct="1">
+      <a:lvl3pPr marL="457200" indent="-91440" algn="l" defTabSz="365760" rtl="0" eaLnBrk="1" latinLnBrk="0" hangingPunct="1">
         <a:lnSpc>
           <a:spcPct val="90000"/>
         </a:lnSpc>
         <a:spcBef>
-          <a:spcPts val="500"/>
+          <a:spcPts val="200"/>
         </a:spcBef>
         <a:buFont typeface="Arial" panose="020B0604020202020204" pitchFamily="34" charset="0"/>
         <a:buChar char="•"/>
-        <a:defRPr sz="2000" kern="1200">
+        <a:defRPr sz="800" kern="1200">
           <a:solidFill>
             <a:schemeClr val="tx1"/>
           </a:solidFill>
@@ -3096,16 +2748,16 @@
           <a:cs typeface="+mn-cs"/>
         </a:defRPr>
       </a:lvl3pPr>
-      <a:lvl4pPr marL="1600200" indent="-228600" algn="l" defTabSz="914400" rtl="0" eaLnBrk="1" latinLnBrk="0" hangingPunct="1">
+      <a:lvl4pPr marL="640080" indent="-91440" algn="l" defTabSz="365760" rtl="0" eaLnBrk="1" latinLnBrk="0" hangingPunct="1">
         <a:lnSpc>
           <a:spcPct val="90000"/>
         </a:lnSpc>
         <a:spcBef>
-          <a:spcPts val="500"/>
+          <a:spcPts val="200"/>
         </a:spcBef>
         <a:buFont typeface="Arial" panose="020B0604020202020204" pitchFamily="34" charset="0"/>
         <a:buChar char="•"/>
-        <a:defRPr sz="1800" kern="1200">
+        <a:defRPr sz="720" kern="1200">
           <a:solidFill>
             <a:schemeClr val="tx1"/>
           </a:solidFill>
@@ -3114,16 +2766,16 @@
           <a:cs typeface="+mn-cs"/>
         </a:defRPr>
       </a:lvl4pPr>
-      <a:lvl5pPr marL="2057400" indent="-228600" algn="l" defTabSz="914400" rtl="0" eaLnBrk="1" latinLnBrk="0" hangingPunct="1">
+      <a:lvl5pPr marL="822960" indent="-91440" algn="l" defTabSz="365760" rtl="0" eaLnBrk="1" latinLnBrk="0" hangingPunct="1">
         <a:lnSpc>
           <a:spcPct val="90000"/>
         </a:lnSpc>
         <a:spcBef>
-          <a:spcPts val="500"/>
+          <a:spcPts val="200"/>
         </a:spcBef>
         <a:buFont typeface="Arial" panose="020B0604020202020204" pitchFamily="34" charset="0"/>
         <a:buChar char="•"/>
-        <a:defRPr sz="1800" kern="1200">
+        <a:defRPr sz="720" kern="1200">
           <a:solidFill>
             <a:schemeClr val="tx1"/>
           </a:solidFill>
@@ -3132,16 +2784,16 @@
           <a:cs typeface="+mn-cs"/>
         </a:defRPr>
       </a:lvl5pPr>
-      <a:lvl6pPr marL="2514600" indent="-228600" algn="l" defTabSz="914400" rtl="0" eaLnBrk="1" latinLnBrk="0" hangingPunct="1">
+      <a:lvl6pPr marL="1005840" indent="-91440" algn="l" defTabSz="365760" rtl="0" eaLnBrk="1" latinLnBrk="0" hangingPunct="1">
         <a:lnSpc>
           <a:spcPct val="90000"/>
         </a:lnSpc>
         <a:spcBef>
-          <a:spcPts val="500"/>
+          <a:spcPts val="200"/>
         </a:spcBef>
         <a:buFont typeface="Arial" panose="020B0604020202020204" pitchFamily="34" charset="0"/>
         <a:buChar char="•"/>
-        <a:defRPr sz="1800" kern="1200">
+        <a:defRPr sz="720" kern="1200">
           <a:solidFill>
             <a:schemeClr val="tx1"/>
           </a:solidFill>
@@ -3150,16 +2802,16 @@
           <a:cs typeface="+mn-cs"/>
         </a:defRPr>
       </a:lvl6pPr>
-      <a:lvl7pPr marL="2971800" indent="-228600" algn="l" defTabSz="914400" rtl="0" eaLnBrk="1" latinLnBrk="0" hangingPunct="1">
+      <a:lvl7pPr marL="1188720" indent="-91440" algn="l" defTabSz="365760" rtl="0" eaLnBrk="1" latinLnBrk="0" hangingPunct="1">
         <a:lnSpc>
           <a:spcPct val="90000"/>
         </a:lnSpc>
         <a:spcBef>
-          <a:spcPts val="500"/>
+          <a:spcPts val="200"/>
         </a:spcBef>
         <a:buFont typeface="Arial" panose="020B0604020202020204" pitchFamily="34" charset="0"/>
         <a:buChar char="•"/>
-        <a:defRPr sz="1800" kern="1200">
+        <a:defRPr sz="720" kern="1200">
           <a:solidFill>
             <a:schemeClr val="tx1"/>
           </a:solidFill>
@@ -3168,16 +2820,16 @@
           <a:cs typeface="+mn-cs"/>
         </a:defRPr>
       </a:lvl7pPr>
-      <a:lvl8pPr marL="3429000" indent="-228600" algn="l" defTabSz="914400" rtl="0" eaLnBrk="1" latinLnBrk="0" hangingPunct="1">
+      <a:lvl8pPr marL="1371600" indent="-91440" algn="l" defTabSz="365760" rtl="0" eaLnBrk="1" latinLnBrk="0" hangingPunct="1">
         <a:lnSpc>
           <a:spcPct val="90000"/>
         </a:lnSpc>
         <a:spcBef>
-          <a:spcPts val="500"/>
+          <a:spcPts val="200"/>
         </a:spcBef>
         <a:buFont typeface="Arial" panose="020B0604020202020204" pitchFamily="34" charset="0"/>
         <a:buChar char="•"/>
-        <a:defRPr sz="1800" kern="1200">
+        <a:defRPr sz="720" kern="1200">
           <a:solidFill>
             <a:schemeClr val="tx1"/>
           </a:solidFill>
@@ -3186,16 +2838,16 @@
           <a:cs typeface="+mn-cs"/>
         </a:defRPr>
       </a:lvl8pPr>
-      <a:lvl9pPr marL="3886200" indent="-228600" algn="l" defTabSz="914400" rtl="0" eaLnBrk="1" latinLnBrk="0" hangingPunct="1">
+      <a:lvl9pPr marL="1554480" indent="-91440" algn="l" defTabSz="365760" rtl="0" eaLnBrk="1" latinLnBrk="0" hangingPunct="1">
         <a:lnSpc>
           <a:spcPct val="90000"/>
         </a:lnSpc>
         <a:spcBef>
-          <a:spcPts val="500"/>
+          <a:spcPts val="200"/>
         </a:spcBef>
         <a:buFont typeface="Arial" panose="020B0604020202020204" pitchFamily="34" charset="0"/>
         <a:buChar char="•"/>
-        <a:defRPr sz="1800" kern="1200">
+        <a:defRPr sz="720" kern="1200">
           <a:solidFill>
             <a:schemeClr val="tx1"/>
           </a:solidFill>
@@ -3209,8 +2861,8 @@
       <a:defPPr>
         <a:defRPr lang="en-US"/>
       </a:defPPr>
-      <a:lvl1pPr marL="0" algn="l" defTabSz="914400" rtl="0" eaLnBrk="1" latinLnBrk="0" hangingPunct="1">
-        <a:defRPr sz="1800" kern="1200">
+      <a:lvl1pPr marL="0" algn="l" defTabSz="365760" rtl="0" eaLnBrk="1" latinLnBrk="0" hangingPunct="1">
+        <a:defRPr sz="720" kern="1200">
           <a:solidFill>
             <a:schemeClr val="tx1"/>
           </a:solidFill>
@@ -3219,8 +2871,8 @@
           <a:cs typeface="+mn-cs"/>
         </a:defRPr>
       </a:lvl1pPr>
-      <a:lvl2pPr marL="457200" algn="l" defTabSz="914400" rtl="0" eaLnBrk="1" latinLnBrk="0" hangingPunct="1">
-        <a:defRPr sz="1800" kern="1200">
+      <a:lvl2pPr marL="182880" algn="l" defTabSz="365760" rtl="0" eaLnBrk="1" latinLnBrk="0" hangingPunct="1">
+        <a:defRPr sz="720" kern="1200">
           <a:solidFill>
             <a:schemeClr val="tx1"/>
           </a:solidFill>
@@ -3229,8 +2881,8 @@
           <a:cs typeface="+mn-cs"/>
         </a:defRPr>
       </a:lvl2pPr>
-      <a:lvl3pPr marL="914400" algn="l" defTabSz="914400" rtl="0" eaLnBrk="1" latinLnBrk="0" hangingPunct="1">
-        <a:defRPr sz="1800" kern="1200">
+      <a:lvl3pPr marL="365760" algn="l" defTabSz="365760" rtl="0" eaLnBrk="1" latinLnBrk="0" hangingPunct="1">
+        <a:defRPr sz="720" kern="1200">
           <a:solidFill>
             <a:schemeClr val="tx1"/>
           </a:solidFill>
@@ -3239,8 +2891,8 @@
           <a:cs typeface="+mn-cs"/>
         </a:defRPr>
       </a:lvl3pPr>
-      <a:lvl4pPr marL="1371600" algn="l" defTabSz="914400" rtl="0" eaLnBrk="1" latinLnBrk="0" hangingPunct="1">
-        <a:defRPr sz="1800" kern="1200">
+      <a:lvl4pPr marL="548640" algn="l" defTabSz="365760" rtl="0" eaLnBrk="1" latinLnBrk="0" hangingPunct="1">
+        <a:defRPr sz="720" kern="1200">
           <a:solidFill>
             <a:schemeClr val="tx1"/>
           </a:solidFill>
@@ -3249,8 +2901,8 @@
           <a:cs typeface="+mn-cs"/>
         </a:defRPr>
       </a:lvl4pPr>
-      <a:lvl5pPr marL="1828800" algn="l" defTabSz="914400" rtl="0" eaLnBrk="1" latinLnBrk="0" hangingPunct="1">
-        <a:defRPr sz="1800" kern="1200">
+      <a:lvl5pPr marL="731520" algn="l" defTabSz="365760" rtl="0" eaLnBrk="1" latinLnBrk="0" hangingPunct="1">
+        <a:defRPr sz="720" kern="1200">
           <a:solidFill>
             <a:schemeClr val="tx1"/>
           </a:solidFill>
@@ -3259,8 +2911,8 @@
           <a:cs typeface="+mn-cs"/>
         </a:defRPr>
       </a:lvl5pPr>
-      <a:lvl6pPr marL="2286000" algn="l" defTabSz="914400" rtl="0" eaLnBrk="1" latinLnBrk="0" hangingPunct="1">
-        <a:defRPr sz="1800" kern="1200">
+      <a:lvl6pPr marL="914400" algn="l" defTabSz="365760" rtl="0" eaLnBrk="1" latinLnBrk="0" hangingPunct="1">
+        <a:defRPr sz="720" kern="1200">
           <a:solidFill>
             <a:schemeClr val="tx1"/>
           </a:solidFill>
@@ -3269,8 +2921,8 @@
           <a:cs typeface="+mn-cs"/>
         </a:defRPr>
       </a:lvl6pPr>
-      <a:lvl7pPr marL="2743200" algn="l" defTabSz="914400" rtl="0" eaLnBrk="1" latinLnBrk="0" hangingPunct="1">
-        <a:defRPr sz="1800" kern="1200">
+      <a:lvl7pPr marL="1097280" algn="l" defTabSz="365760" rtl="0" eaLnBrk="1" latinLnBrk="0" hangingPunct="1">
+        <a:defRPr sz="720" kern="1200">
           <a:solidFill>
             <a:schemeClr val="tx1"/>
           </a:solidFill>
@@ -3279,8 +2931,8 @@
           <a:cs typeface="+mn-cs"/>
         </a:defRPr>
       </a:lvl7pPr>
-      <a:lvl8pPr marL="3200400" algn="l" defTabSz="914400" rtl="0" eaLnBrk="1" latinLnBrk="0" hangingPunct="1">
-        <a:defRPr sz="1800" kern="1200">
+      <a:lvl8pPr marL="1280160" algn="l" defTabSz="365760" rtl="0" eaLnBrk="1" latinLnBrk="0" hangingPunct="1">
+        <a:defRPr sz="720" kern="1200">
           <a:solidFill>
             <a:schemeClr val="tx1"/>
           </a:solidFill>
@@ -3289,8 +2941,8 @@
           <a:cs typeface="+mn-cs"/>
         </a:defRPr>
       </a:lvl8pPr>
-      <a:lvl9pPr marL="3657600" algn="l" defTabSz="914400" rtl="0" eaLnBrk="1" latinLnBrk="0" hangingPunct="1">
-        <a:defRPr sz="1800" kern="1200">
+      <a:lvl9pPr marL="1463040" algn="l" defTabSz="365760" rtl="0" eaLnBrk="1" latinLnBrk="0" hangingPunct="1">
+        <a:defRPr sz="720" kern="1200">
           <a:solidFill>
             <a:schemeClr val="tx1"/>
           </a:solidFill>
@@ -3323,10 +2975,10 @@
       </p:grpSpPr>
       <p:grpSp>
         <p:nvGrpSpPr>
-          <p:cNvPr id="12" name="Group 11">
+          <p:cNvPr id="2" name="Group 1">
             <a:extLst>
               <a:ext uri="{FF2B5EF4-FFF2-40B4-BE49-F238E27FC236}">
-                <a16:creationId xmlns:a16="http://schemas.microsoft.com/office/drawing/2014/main" id="{A9E92CC3-9738-3B4C-9794-F11447FCB893}"/>
+                <a16:creationId xmlns:a16="http://schemas.microsoft.com/office/drawing/2014/main" id="{2248E484-ECD0-0E49-8592-FC178F51E597}"/>
               </a:ext>
             </a:extLst>
           </p:cNvPr>
@@ -3335,10 +2987,10 @@
         </p:nvGrpSpPr>
         <p:grpSpPr>
           <a:xfrm>
-            <a:off x="225557" y="147704"/>
-            <a:ext cx="8306144" cy="2927063"/>
-            <a:chOff x="257089" y="2239263"/>
-            <a:chExt cx="8306144" cy="2927063"/>
+            <a:off x="322387" y="319782"/>
+            <a:ext cx="26787228" cy="2167146"/>
+            <a:chOff x="322387" y="319782"/>
+            <a:chExt cx="26787228" cy="2167146"/>
           </a:xfrm>
         </p:grpSpPr>
         <p:pic>
@@ -3363,8 +3015,8 @@
           </p:blipFill>
           <p:spPr>
             <a:xfrm>
-              <a:off x="257089" y="2278967"/>
-              <a:ext cx="4586760" cy="1150033"/>
+              <a:off x="322387" y="370852"/>
+              <a:ext cx="6880140" cy="1725050"/>
             </a:xfrm>
             <a:prstGeom prst="rect">
               <a:avLst/>
@@ -3393,8 +3045,8 @@
           </p:blipFill>
           <p:spPr>
             <a:xfrm>
-              <a:off x="4979773" y="2239263"/>
-              <a:ext cx="3583460" cy="1218520"/>
+              <a:off x="7555270" y="403155"/>
+              <a:ext cx="5375190" cy="1827780"/>
             </a:xfrm>
             <a:prstGeom prst="rect">
               <a:avLst/>
@@ -3423,8 +3075,8 @@
           </p:blipFill>
           <p:spPr>
             <a:xfrm>
-              <a:off x="513820" y="3904735"/>
-              <a:ext cx="4073298" cy="1261591"/>
+              <a:off x="13716000" y="594541"/>
+              <a:ext cx="6109947" cy="1892387"/>
             </a:xfrm>
             <a:prstGeom prst="rect">
               <a:avLst/>
@@ -3453,8 +3105,8 @@
           </p:blipFill>
           <p:spPr>
             <a:xfrm>
-              <a:off x="4979773" y="3797603"/>
-              <a:ext cx="3583460" cy="1132667"/>
+              <a:off x="20229475" y="319782"/>
+              <a:ext cx="6880140" cy="1994525"/>
             </a:xfrm>
             <a:prstGeom prst="rect">
               <a:avLst/>
@@ -3478,7 +3130,7 @@
 <file path=ppt/theme/theme1.xml><?xml version="1.0" encoding="utf-8"?>
 <a:theme xmlns:a="http://schemas.openxmlformats.org/drawingml/2006/main" name="Office Theme">
   <a:themeElements>
-    <a:clrScheme name="Office">
+    <a:clrScheme name="Office Theme">
       <a:dk1>
         <a:sysClr val="windowText" lastClr="000000"/>
       </a:dk1>
@@ -3516,7 +3168,7 @@
         <a:srgbClr val="954F72"/>
       </a:folHlink>
     </a:clrScheme>
-    <a:fontScheme name="Office">
+    <a:fontScheme name="Office Theme">
       <a:majorFont>
         <a:latin typeface="Calibri Light" panose="020F0302020204030204"/>
         <a:ea typeface=""/>
@@ -3551,23 +3203,6 @@
         <a:font script="Viet" typeface="Times New Roman"/>
         <a:font script="Uigh" typeface="Microsoft Uighur"/>
         <a:font script="Geor" typeface="Sylfaen"/>
-        <a:font script="Armn" typeface="Arial"/>
-        <a:font script="Bugi" typeface="Leelawadee UI"/>
-        <a:font script="Bopo" typeface="Microsoft JhengHei"/>
-        <a:font script="Java" typeface="Javanese Text"/>
-        <a:font script="Lisu" typeface="Segoe UI"/>
-        <a:font script="Mymr" typeface="Myanmar Text"/>
-        <a:font script="Nkoo" typeface="Ebrima"/>
-        <a:font script="Olck" typeface="Nirmala UI"/>
-        <a:font script="Osma" typeface="Ebrima"/>
-        <a:font script="Phag" typeface="Phagspa"/>
-        <a:font script="Syrn" typeface="Estrangelo Edessa"/>
-        <a:font script="Syrj" typeface="Estrangelo Edessa"/>
-        <a:font script="Syre" typeface="Estrangelo Edessa"/>
-        <a:font script="Sora" typeface="Nirmala UI"/>
-        <a:font script="Tale" typeface="Microsoft Tai Le"/>
-        <a:font script="Talu" typeface="Microsoft New Tai Lue"/>
-        <a:font script="Tfng" typeface="Ebrima"/>
       </a:majorFont>
       <a:minorFont>
         <a:latin typeface="Calibri" panose="020F0502020204030204"/>
@@ -3603,26 +3238,9 @@
         <a:font script="Viet" typeface="Arial"/>
         <a:font script="Uigh" typeface="Microsoft Uighur"/>
         <a:font script="Geor" typeface="Sylfaen"/>
-        <a:font script="Armn" typeface="Arial"/>
-        <a:font script="Bugi" typeface="Leelawadee UI"/>
-        <a:font script="Bopo" typeface="Microsoft JhengHei"/>
-        <a:font script="Java" typeface="Javanese Text"/>
-        <a:font script="Lisu" typeface="Segoe UI"/>
-        <a:font script="Mymr" typeface="Myanmar Text"/>
-        <a:font script="Nkoo" typeface="Ebrima"/>
-        <a:font script="Olck" typeface="Nirmala UI"/>
-        <a:font script="Osma" typeface="Ebrima"/>
-        <a:font script="Phag" typeface="Phagspa"/>
-        <a:font script="Syrn" typeface="Estrangelo Edessa"/>
-        <a:font script="Syrj" typeface="Estrangelo Edessa"/>
-        <a:font script="Syre" typeface="Estrangelo Edessa"/>
-        <a:font script="Sora" typeface="Nirmala UI"/>
-        <a:font script="Tale" typeface="Microsoft Tai Le"/>
-        <a:font script="Talu" typeface="Microsoft New Tai Lue"/>
-        <a:font script="Tfng" typeface="Ebrima"/>
       </a:minorFont>
     </a:fontScheme>
-    <a:fmtScheme name="Office">
+    <a:fmtScheme name="Office Theme">
       <a:fillStyleLst>
         <a:solidFill>
           <a:schemeClr val="phClr"/>
